--- a/Quintus · SlidesCarnival.pptx
+++ b/Quintus · SlidesCarnival.pptx
@@ -5,30 +5,43 @@
     <p:sldMasterId id="2147483658" r:id="rId1"/>
   </p:sldMasterIdLst>
   <p:notesMasterIdLst>
-    <p:notesMasterId r:id="rId13"/>
+    <p:notesMasterId r:id="rId21"/>
   </p:notesMasterIdLst>
   <p:sldIdLst>
     <p:sldId id="256" r:id="rId2"/>
     <p:sldId id="257" r:id="rId3"/>
     <p:sldId id="259" r:id="rId4"/>
-    <p:sldId id="279" r:id="rId5"/>
-    <p:sldId id="278" r:id="rId6"/>
-    <p:sldId id="260" r:id="rId7"/>
-    <p:sldId id="277" r:id="rId8"/>
-    <p:sldId id="280" r:id="rId9"/>
-    <p:sldId id="281" r:id="rId10"/>
-    <p:sldId id="275" r:id="rId11"/>
-    <p:sldId id="276" r:id="rId12"/>
+    <p:sldId id="278" r:id="rId5"/>
+    <p:sldId id="260" r:id="rId6"/>
+    <p:sldId id="277" r:id="rId7"/>
+    <p:sldId id="281" r:id="rId8"/>
+    <p:sldId id="282" r:id="rId9"/>
+    <p:sldId id="283" r:id="rId10"/>
+    <p:sldId id="284" r:id="rId11"/>
+    <p:sldId id="288" r:id="rId12"/>
+    <p:sldId id="289" r:id="rId13"/>
+    <p:sldId id="290" r:id="rId14"/>
+    <p:sldId id="285" r:id="rId15"/>
+    <p:sldId id="291" r:id="rId16"/>
+    <p:sldId id="286" r:id="rId17"/>
+    <p:sldId id="292" r:id="rId18"/>
+    <p:sldId id="275" r:id="rId19"/>
+    <p:sldId id="276" r:id="rId20"/>
   </p:sldIdLst>
   <p:sldSz cx="9144000" cy="5143500" type="screen16x9"/>
   <p:notesSz cx="6858000" cy="9144000"/>
   <p:embeddedFontLst>
     <p:embeddedFont>
+      <p:font typeface="Microsoft YaHei" panose="020B0503020204020204" pitchFamily="34" charset="-122"/>
+      <p:regular r:id="rId22"/>
+      <p:bold r:id="rId23"/>
+    </p:embeddedFont>
+    <p:embeddedFont>
       <p:font typeface="Tinos" panose="020B0604020202020204" charset="0"/>
-      <p:regular r:id="rId14"/>
-      <p:bold r:id="rId15"/>
-      <p:italic r:id="rId16"/>
-      <p:boldItalic r:id="rId17"/>
+      <p:regular r:id="rId24"/>
+      <p:bold r:id="rId25"/>
+      <p:italic r:id="rId26"/>
+      <p:boldItalic r:id="rId27"/>
     </p:embeddedFont>
   </p:embeddedFontLst>
   <p:defaultTextStyle>
@@ -4757,10 +4770,110 @@
               <a:buNone/>
             </a:pPr>
             <a:r>
-              <a:rPr lang="en" dirty="0" smtClean="0"/>
+              <a:rPr lang="en" dirty="0">
+                <a:latin typeface="Microsoft YaHei" panose="020B0503020204020204" pitchFamily="34" charset="-122"/>
+                <a:ea typeface="Microsoft YaHei" panose="020B0503020204020204" pitchFamily="34" charset="-122"/>
+              </a:rPr>
               <a:t>Book recommender bot</a:t>
             </a:r>
-            <a:endParaRPr/>
+            <a:endParaRPr dirty="0">
+              <a:latin typeface="Microsoft YaHei" panose="020B0503020204020204" pitchFamily="34" charset="-122"/>
+              <a:ea typeface="Microsoft YaHei" panose="020B0503020204020204" pitchFamily="34" charset="-122"/>
+            </a:endParaRPr>
+          </a:p>
+        </p:txBody>
+      </p:sp>
+      <p:sp>
+        <p:nvSpPr>
+          <p:cNvPr id="3" name="TextBox 2"/>
+          <p:cNvSpPr txBox="1"/>
+          <p:nvPr/>
+        </p:nvSpPr>
+        <p:spPr>
+          <a:xfrm>
+            <a:off x="3786182" y="3786196"/>
+            <a:ext cx="3929090" cy="307777"/>
+          </a:xfrm>
+          <a:prstGeom prst="rect">
+            <a:avLst/>
+          </a:prstGeom>
+          <a:noFill/>
+        </p:spPr>
+        <p:txBody>
+          <a:bodyPr wrap="square" rtlCol="0">
+            <a:spAutoFit/>
+          </a:bodyPr>
+          <a:lstStyle/>
+          <a:p>
+            <a:r>
+              <a:rPr lang="en-US" dirty="0" err="1"/>
+              <a:t>Kattabekov</a:t>
+            </a:r>
+            <a:r>
+              <a:rPr lang="en-US" dirty="0"/>
+              <a:t> </a:t>
+            </a:r>
+            <a:r>
+              <a:rPr lang="en-US" dirty="0" err="1"/>
+              <a:t>Beknur</a:t>
+            </a:r>
+            <a:endParaRPr lang="ru-RU" dirty="0"/>
+          </a:p>
+        </p:txBody>
+      </p:sp>
+      <p:sp>
+        <p:nvSpPr>
+          <p:cNvPr id="4" name="TextBox 3"/>
+          <p:cNvSpPr txBox="1"/>
+          <p:nvPr/>
+        </p:nvSpPr>
+        <p:spPr>
+          <a:xfrm>
+            <a:off x="3786182" y="4000510"/>
+            <a:ext cx="1677968" cy="523220"/>
+          </a:xfrm>
+          <a:prstGeom prst="rect">
+            <a:avLst/>
+          </a:prstGeom>
+          <a:noFill/>
+        </p:spPr>
+        <p:txBody>
+          <a:bodyPr wrap="square" rtlCol="0">
+            <a:spAutoFit/>
+          </a:bodyPr>
+          <a:lstStyle/>
+          <a:p>
+            <a:r>
+              <a:rPr lang="en-US" dirty="0" err="1"/>
+              <a:t>Sadir</a:t>
+            </a:r>
+            <a:r>
+              <a:rPr lang="en-US" dirty="0"/>
+              <a:t> </a:t>
+            </a:r>
+            <a:r>
+              <a:rPr lang="en-US" dirty="0" err="1"/>
+              <a:t>Aigerim</a:t>
+            </a:r>
+            <a:r>
+              <a:rPr lang="ru-RU" dirty="0"/>
+              <a:t>,</a:t>
+            </a:r>
+          </a:p>
+          <a:p>
+            <a:r>
+              <a:rPr lang="en-US" dirty="0" err="1"/>
+              <a:t>Turekul</a:t>
+            </a:r>
+            <a:r>
+              <a:rPr lang="ru-RU" dirty="0"/>
+              <a:t> </a:t>
+            </a:r>
+            <a:r>
+              <a:rPr lang="en-US" dirty="0" err="1"/>
+              <a:t>Nurgalam</a:t>
+            </a:r>
+            <a:endParaRPr lang="ru-RU" dirty="0"/>
           </a:p>
         </p:txBody>
       </p:sp>
@@ -4769,17 +4882,1360 @@
   <p:clrMapOvr>
     <a:masterClrMapping/>
   </p:clrMapOvr>
-  <p:timing>
-    <p:tnLst>
-      <p:par>
-        <p:cTn id="1" dur="indefinite" restart="never" nodeType="tmRoot"/>
-      </p:par>
-    </p:tnLst>
-  </p:timing>
 </p:sld>
 </file>
 
 <file path=ppt/slides/slide10.xml><?xml version="1.0" encoding="utf-8"?>
+<p:sld xmlns:a="http://schemas.openxmlformats.org/drawingml/2006/main" xmlns:r="http://schemas.openxmlformats.org/officeDocument/2006/relationships" xmlns:p="http://schemas.openxmlformats.org/presentationml/2006/main">
+  <p:cSld>
+    <p:spTree>
+      <p:nvGrpSpPr>
+        <p:cNvPr id="1" name=""/>
+        <p:cNvGrpSpPr/>
+        <p:nvPr/>
+      </p:nvGrpSpPr>
+      <p:grpSpPr>
+        <a:xfrm>
+          <a:off x="0" y="0"/>
+          <a:ext cx="0" cy="0"/>
+          <a:chOff x="0" y="0"/>
+          <a:chExt cx="0" cy="0"/>
+        </a:xfrm>
+      </p:grpSpPr>
+      <p:sp>
+        <p:nvSpPr>
+          <p:cNvPr id="2" name="Заголовок 1">
+            <a:extLst>
+              <a:ext uri="{FF2B5EF4-FFF2-40B4-BE49-F238E27FC236}">
+                <a16:creationId xmlns:a16="http://schemas.microsoft.com/office/drawing/2014/main" id="{D8D37D7F-D7F9-45D3-BAEA-3ADA99E8746D}"/>
+              </a:ext>
+            </a:extLst>
+          </p:cNvPr>
+          <p:cNvSpPr>
+            <a:spLocks noGrp="1"/>
+          </p:cNvSpPr>
+          <p:nvPr>
+            <p:ph type="title"/>
+          </p:nvPr>
+        </p:nvSpPr>
+        <p:spPr/>
+        <p:txBody>
+          <a:bodyPr/>
+          <a:lstStyle/>
+          <a:p>
+            <a:r>
+              <a:rPr lang="en-US" dirty="0">
+                <a:latin typeface="Microsoft YaHei" panose="020B0503020204020204" pitchFamily="34" charset="-122"/>
+                <a:ea typeface="Microsoft YaHei" panose="020B0503020204020204" pitchFamily="34" charset="-122"/>
+              </a:rPr>
+              <a:t>Find most correlated samples</a:t>
+            </a:r>
+            <a:endParaRPr lang="ru-RU" dirty="0">
+              <a:latin typeface="Microsoft YaHei" panose="020B0503020204020204" pitchFamily="34" charset="-122"/>
+              <a:ea typeface="Microsoft YaHei" panose="020B0503020204020204" pitchFamily="34" charset="-122"/>
+            </a:endParaRPr>
+          </a:p>
+        </p:txBody>
+      </p:sp>
+      <p:sp>
+        <p:nvSpPr>
+          <p:cNvPr id="4" name="Номер слайда 3">
+            <a:extLst>
+              <a:ext uri="{FF2B5EF4-FFF2-40B4-BE49-F238E27FC236}">
+                <a16:creationId xmlns:a16="http://schemas.microsoft.com/office/drawing/2014/main" id="{013A7279-7D72-4BB3-B189-C316E888E75C}"/>
+              </a:ext>
+            </a:extLst>
+          </p:cNvPr>
+          <p:cNvSpPr>
+            <a:spLocks noGrp="1"/>
+          </p:cNvSpPr>
+          <p:nvPr>
+            <p:ph type="sldNum" idx="12"/>
+          </p:nvPr>
+        </p:nvSpPr>
+        <p:spPr/>
+        <p:txBody>
+          <a:bodyPr/>
+          <a:lstStyle/>
+          <a:p>
+            <a:pPr marL="0" lvl="0" indent="0" algn="r" rtl="0">
+              <a:spcBef>
+                <a:spcPts val="0"/>
+              </a:spcBef>
+              <a:spcAft>
+                <a:spcPts val="0"/>
+              </a:spcAft>
+              <a:buNone/>
+            </a:pPr>
+            <a:fld id="{00000000-1234-1234-1234-123412341234}" type="slidenum">
+              <a:rPr lang="en" smtClean="0"/>
+              <a:pPr marL="0" lvl="0" indent="0" algn="r" rtl="0">
+                <a:spcBef>
+                  <a:spcPts val="0"/>
+                </a:spcBef>
+                <a:spcAft>
+                  <a:spcPts val="0"/>
+                </a:spcAft>
+                <a:buNone/>
+              </a:pPr>
+              <a:t>10</a:t>
+            </a:fld>
+            <a:endParaRPr lang="en"/>
+          </a:p>
+        </p:txBody>
+      </p:sp>
+      <p:pic>
+        <p:nvPicPr>
+          <p:cNvPr id="3" name="Рисунок 2">
+            <a:extLst>
+              <a:ext uri="{FF2B5EF4-FFF2-40B4-BE49-F238E27FC236}">
+                <a16:creationId xmlns:a16="http://schemas.microsoft.com/office/drawing/2014/main" id="{4283A299-1543-4691-A82A-37B5BE28E282}"/>
+              </a:ext>
+            </a:extLst>
+          </p:cNvPr>
+          <p:cNvPicPr>
+            <a:picLocks noChangeAspect="1"/>
+          </p:cNvPicPr>
+          <p:nvPr/>
+        </p:nvPicPr>
+        <p:blipFill>
+          <a:blip r:embed="rId2"/>
+          <a:stretch>
+            <a:fillRect/>
+          </a:stretch>
+        </p:blipFill>
+        <p:spPr>
+          <a:xfrm>
+            <a:off x="0" y="1707654"/>
+            <a:ext cx="8676456" cy="2299025"/>
+          </a:xfrm>
+          <a:prstGeom prst="rect">
+            <a:avLst/>
+          </a:prstGeom>
+        </p:spPr>
+      </p:pic>
+    </p:spTree>
+    <p:extLst>
+      <p:ext uri="{BB962C8B-B14F-4D97-AF65-F5344CB8AC3E}">
+        <p14:creationId xmlns:p14="http://schemas.microsoft.com/office/powerpoint/2010/main" val="857655741"/>
+      </p:ext>
+    </p:extLst>
+  </p:cSld>
+  <p:clrMapOvr>
+    <a:masterClrMapping/>
+  </p:clrMapOvr>
+</p:sld>
+</file>
+
+<file path=ppt/slides/slide11.xml><?xml version="1.0" encoding="utf-8"?>
+<p:sld xmlns:a="http://schemas.openxmlformats.org/drawingml/2006/main" xmlns:r="http://schemas.openxmlformats.org/officeDocument/2006/relationships" xmlns:p="http://schemas.openxmlformats.org/presentationml/2006/main">
+  <p:cSld>
+    <p:spTree>
+      <p:nvGrpSpPr>
+        <p:cNvPr id="1" name=""/>
+        <p:cNvGrpSpPr/>
+        <p:nvPr/>
+      </p:nvGrpSpPr>
+      <p:grpSpPr>
+        <a:xfrm>
+          <a:off x="0" y="0"/>
+          <a:ext cx="0" cy="0"/>
+          <a:chOff x="0" y="0"/>
+          <a:chExt cx="0" cy="0"/>
+        </a:xfrm>
+      </p:grpSpPr>
+      <p:sp>
+        <p:nvSpPr>
+          <p:cNvPr id="2" name="Заголовок 1">
+            <a:extLst>
+              <a:ext uri="{FF2B5EF4-FFF2-40B4-BE49-F238E27FC236}">
+                <a16:creationId xmlns:a16="http://schemas.microsoft.com/office/drawing/2014/main" id="{BDECDE81-2D2A-4504-B2E8-1C4F2A1C9FD6}"/>
+              </a:ext>
+            </a:extLst>
+          </p:cNvPr>
+          <p:cNvSpPr>
+            <a:spLocks noGrp="1"/>
+          </p:cNvSpPr>
+          <p:nvPr>
+            <p:ph type="title"/>
+          </p:nvPr>
+        </p:nvSpPr>
+        <p:spPr/>
+        <p:txBody>
+          <a:bodyPr/>
+          <a:lstStyle/>
+          <a:p>
+            <a:endParaRPr lang="ru-RU"/>
+          </a:p>
+        </p:txBody>
+      </p:sp>
+      <p:sp>
+        <p:nvSpPr>
+          <p:cNvPr id="4" name="Номер слайда 3">
+            <a:extLst>
+              <a:ext uri="{FF2B5EF4-FFF2-40B4-BE49-F238E27FC236}">
+                <a16:creationId xmlns:a16="http://schemas.microsoft.com/office/drawing/2014/main" id="{47CCEA42-EE2B-4997-A654-C89230A234C7}"/>
+              </a:ext>
+            </a:extLst>
+          </p:cNvPr>
+          <p:cNvSpPr>
+            <a:spLocks noGrp="1"/>
+          </p:cNvSpPr>
+          <p:nvPr>
+            <p:ph type="sldNum" idx="12"/>
+          </p:nvPr>
+        </p:nvSpPr>
+        <p:spPr/>
+        <p:txBody>
+          <a:bodyPr/>
+          <a:lstStyle/>
+          <a:p>
+            <a:pPr marL="0" lvl="0" indent="0" algn="r" rtl="0">
+              <a:spcBef>
+                <a:spcPts val="0"/>
+              </a:spcBef>
+              <a:spcAft>
+                <a:spcPts val="0"/>
+              </a:spcAft>
+              <a:buNone/>
+            </a:pPr>
+            <a:fld id="{00000000-1234-1234-1234-123412341234}" type="slidenum">
+              <a:rPr lang="en" smtClean="0"/>
+              <a:pPr marL="0" lvl="0" indent="0" algn="r" rtl="0">
+                <a:spcBef>
+                  <a:spcPts val="0"/>
+                </a:spcBef>
+                <a:spcAft>
+                  <a:spcPts val="0"/>
+                </a:spcAft>
+                <a:buNone/>
+              </a:pPr>
+              <a:t>11</a:t>
+            </a:fld>
+            <a:endParaRPr lang="en"/>
+          </a:p>
+        </p:txBody>
+      </p:sp>
+      <p:pic>
+        <p:nvPicPr>
+          <p:cNvPr id="5" name="Рисунок 4">
+            <a:extLst>
+              <a:ext uri="{FF2B5EF4-FFF2-40B4-BE49-F238E27FC236}">
+                <a16:creationId xmlns:a16="http://schemas.microsoft.com/office/drawing/2014/main" id="{A1C1F603-21BF-4A2A-BC4E-DE62C43124DD}"/>
+              </a:ext>
+            </a:extLst>
+          </p:cNvPr>
+          <p:cNvPicPr>
+            <a:picLocks noChangeAspect="1"/>
+          </p:cNvPicPr>
+          <p:nvPr/>
+        </p:nvPicPr>
+        <p:blipFill>
+          <a:blip r:embed="rId2"/>
+          <a:stretch>
+            <a:fillRect/>
+          </a:stretch>
+        </p:blipFill>
+        <p:spPr>
+          <a:xfrm>
+            <a:off x="0" y="452614"/>
+            <a:ext cx="6896100" cy="504825"/>
+          </a:xfrm>
+          <a:prstGeom prst="rect">
+            <a:avLst/>
+          </a:prstGeom>
+        </p:spPr>
+      </p:pic>
+      <p:pic>
+        <p:nvPicPr>
+          <p:cNvPr id="6" name="Рисунок 5">
+            <a:extLst>
+              <a:ext uri="{FF2B5EF4-FFF2-40B4-BE49-F238E27FC236}">
+                <a16:creationId xmlns:a16="http://schemas.microsoft.com/office/drawing/2014/main" id="{E286AE1D-F1E8-4630-A45B-8D3E6174A4E4}"/>
+              </a:ext>
+            </a:extLst>
+          </p:cNvPr>
+          <p:cNvPicPr>
+            <a:picLocks noChangeAspect="1"/>
+          </p:cNvPicPr>
+          <p:nvPr/>
+        </p:nvPicPr>
+        <p:blipFill>
+          <a:blip r:embed="rId3"/>
+          <a:stretch>
+            <a:fillRect/>
+          </a:stretch>
+        </p:blipFill>
+        <p:spPr>
+          <a:xfrm>
+            <a:off x="8181" y="1563638"/>
+            <a:ext cx="1857375" cy="3486150"/>
+          </a:xfrm>
+          <a:prstGeom prst="rect">
+            <a:avLst/>
+          </a:prstGeom>
+        </p:spPr>
+      </p:pic>
+      <p:pic>
+        <p:nvPicPr>
+          <p:cNvPr id="7" name="Рисунок 6">
+            <a:extLst>
+              <a:ext uri="{FF2B5EF4-FFF2-40B4-BE49-F238E27FC236}">
+                <a16:creationId xmlns:a16="http://schemas.microsoft.com/office/drawing/2014/main" id="{118B569E-2999-4F02-BCE2-F957E3C70C0B}"/>
+              </a:ext>
+            </a:extLst>
+          </p:cNvPr>
+          <p:cNvPicPr>
+            <a:picLocks noChangeAspect="1"/>
+          </p:cNvPicPr>
+          <p:nvPr/>
+        </p:nvPicPr>
+        <p:blipFill>
+          <a:blip r:embed="rId4"/>
+          <a:stretch>
+            <a:fillRect/>
+          </a:stretch>
+        </p:blipFill>
+        <p:spPr>
+          <a:xfrm>
+            <a:off x="8181" y="955646"/>
+            <a:ext cx="8410575" cy="685800"/>
+          </a:xfrm>
+          <a:prstGeom prst="rect">
+            <a:avLst/>
+          </a:prstGeom>
+        </p:spPr>
+      </p:pic>
+      <p:pic>
+        <p:nvPicPr>
+          <p:cNvPr id="8" name="Рисунок 7">
+            <a:extLst>
+              <a:ext uri="{FF2B5EF4-FFF2-40B4-BE49-F238E27FC236}">
+                <a16:creationId xmlns:a16="http://schemas.microsoft.com/office/drawing/2014/main" id="{E87B096E-255F-4798-B6F0-2F2AC3A070A1}"/>
+              </a:ext>
+            </a:extLst>
+          </p:cNvPr>
+          <p:cNvPicPr>
+            <a:picLocks noChangeAspect="1"/>
+          </p:cNvPicPr>
+          <p:nvPr/>
+        </p:nvPicPr>
+        <p:blipFill>
+          <a:blip r:embed="rId5"/>
+          <a:stretch>
+            <a:fillRect/>
+          </a:stretch>
+        </p:blipFill>
+        <p:spPr>
+          <a:xfrm>
+            <a:off x="3689593" y="1935508"/>
+            <a:ext cx="2905125" cy="2314575"/>
+          </a:xfrm>
+          <a:prstGeom prst="rect">
+            <a:avLst/>
+          </a:prstGeom>
+        </p:spPr>
+      </p:pic>
+    </p:spTree>
+    <p:extLst>
+      <p:ext uri="{BB962C8B-B14F-4D97-AF65-F5344CB8AC3E}">
+        <p14:creationId xmlns:p14="http://schemas.microsoft.com/office/powerpoint/2010/main" val="1266984168"/>
+      </p:ext>
+    </p:extLst>
+  </p:cSld>
+  <p:clrMapOvr>
+    <a:masterClrMapping/>
+  </p:clrMapOvr>
+</p:sld>
+</file>
+
+<file path=ppt/slides/slide12.xml><?xml version="1.0" encoding="utf-8"?>
+<p:sld xmlns:a="http://schemas.openxmlformats.org/drawingml/2006/main" xmlns:r="http://schemas.openxmlformats.org/officeDocument/2006/relationships" xmlns:p="http://schemas.openxmlformats.org/presentationml/2006/main">
+  <p:cSld>
+    <p:spTree>
+      <p:nvGrpSpPr>
+        <p:cNvPr id="1" name=""/>
+        <p:cNvGrpSpPr/>
+        <p:nvPr/>
+      </p:nvGrpSpPr>
+      <p:grpSpPr>
+        <a:xfrm>
+          <a:off x="0" y="0"/>
+          <a:ext cx="0" cy="0"/>
+          <a:chOff x="0" y="0"/>
+          <a:chExt cx="0" cy="0"/>
+        </a:xfrm>
+      </p:grpSpPr>
+      <p:sp>
+        <p:nvSpPr>
+          <p:cNvPr id="2" name="Заголовок 1">
+            <a:extLst>
+              <a:ext uri="{FF2B5EF4-FFF2-40B4-BE49-F238E27FC236}">
+                <a16:creationId xmlns:a16="http://schemas.microsoft.com/office/drawing/2014/main" id="{38F62260-5446-4AA0-AF9E-507DB58BE3D5}"/>
+              </a:ext>
+            </a:extLst>
+          </p:cNvPr>
+          <p:cNvSpPr>
+            <a:spLocks noGrp="1"/>
+          </p:cNvSpPr>
+          <p:nvPr>
+            <p:ph type="title"/>
+          </p:nvPr>
+        </p:nvSpPr>
+        <p:spPr/>
+        <p:txBody>
+          <a:bodyPr/>
+          <a:lstStyle/>
+          <a:p>
+            <a:endParaRPr lang="ru-RU"/>
+          </a:p>
+        </p:txBody>
+      </p:sp>
+      <p:sp>
+        <p:nvSpPr>
+          <p:cNvPr id="3" name="Текст 2">
+            <a:extLst>
+              <a:ext uri="{FF2B5EF4-FFF2-40B4-BE49-F238E27FC236}">
+                <a16:creationId xmlns:a16="http://schemas.microsoft.com/office/drawing/2014/main" id="{2650EA42-986E-4F98-8BFF-6D110C620D73}"/>
+              </a:ext>
+            </a:extLst>
+          </p:cNvPr>
+          <p:cNvSpPr>
+            <a:spLocks noGrp="1"/>
+          </p:cNvSpPr>
+          <p:nvPr>
+            <p:ph type="body" idx="1"/>
+          </p:nvPr>
+        </p:nvSpPr>
+        <p:spPr/>
+        <p:txBody>
+          <a:bodyPr/>
+          <a:lstStyle/>
+          <a:p>
+            <a:endParaRPr lang="ru-RU" dirty="0"/>
+          </a:p>
+        </p:txBody>
+      </p:sp>
+      <p:sp>
+        <p:nvSpPr>
+          <p:cNvPr id="4" name="Номер слайда 3">
+            <a:extLst>
+              <a:ext uri="{FF2B5EF4-FFF2-40B4-BE49-F238E27FC236}">
+                <a16:creationId xmlns:a16="http://schemas.microsoft.com/office/drawing/2014/main" id="{84B7A038-51DB-4650-8CD2-CD40A85BA3E7}"/>
+              </a:ext>
+            </a:extLst>
+          </p:cNvPr>
+          <p:cNvSpPr>
+            <a:spLocks noGrp="1"/>
+          </p:cNvSpPr>
+          <p:nvPr>
+            <p:ph type="sldNum" idx="12"/>
+          </p:nvPr>
+        </p:nvSpPr>
+        <p:spPr/>
+        <p:txBody>
+          <a:bodyPr/>
+          <a:lstStyle/>
+          <a:p>
+            <a:pPr marL="0" lvl="0" indent="0" algn="r" rtl="0">
+              <a:spcBef>
+                <a:spcPts val="0"/>
+              </a:spcBef>
+              <a:spcAft>
+                <a:spcPts val="0"/>
+              </a:spcAft>
+              <a:buNone/>
+            </a:pPr>
+            <a:fld id="{00000000-1234-1234-1234-123412341234}" type="slidenum">
+              <a:rPr lang="en" smtClean="0"/>
+              <a:pPr marL="0" lvl="0" indent="0" algn="r" rtl="0">
+                <a:spcBef>
+                  <a:spcPts val="0"/>
+                </a:spcBef>
+                <a:spcAft>
+                  <a:spcPts val="0"/>
+                </a:spcAft>
+                <a:buNone/>
+              </a:pPr>
+              <a:t>12</a:t>
+            </a:fld>
+            <a:endParaRPr lang="en"/>
+          </a:p>
+        </p:txBody>
+      </p:sp>
+      <p:pic>
+        <p:nvPicPr>
+          <p:cNvPr id="5" name="Рисунок 4">
+            <a:extLst>
+              <a:ext uri="{FF2B5EF4-FFF2-40B4-BE49-F238E27FC236}">
+                <a16:creationId xmlns:a16="http://schemas.microsoft.com/office/drawing/2014/main" id="{DF55595D-4F30-41CE-87C6-75C424E8CD6D}"/>
+              </a:ext>
+            </a:extLst>
+          </p:cNvPr>
+          <p:cNvPicPr>
+            <a:picLocks noChangeAspect="1"/>
+          </p:cNvPicPr>
+          <p:nvPr/>
+        </p:nvPicPr>
+        <p:blipFill>
+          <a:blip r:embed="rId2"/>
+          <a:stretch>
+            <a:fillRect/>
+          </a:stretch>
+        </p:blipFill>
+        <p:spPr>
+          <a:xfrm>
+            <a:off x="0" y="615360"/>
+            <a:ext cx="6696075" cy="1171575"/>
+          </a:xfrm>
+          <a:prstGeom prst="rect">
+            <a:avLst/>
+          </a:prstGeom>
+        </p:spPr>
+      </p:pic>
+      <p:pic>
+        <p:nvPicPr>
+          <p:cNvPr id="7" name="Рисунок 6">
+            <a:extLst>
+              <a:ext uri="{FF2B5EF4-FFF2-40B4-BE49-F238E27FC236}">
+                <a16:creationId xmlns:a16="http://schemas.microsoft.com/office/drawing/2014/main" id="{B59D5831-9404-4313-9112-911F5FE8ADAF}"/>
+              </a:ext>
+            </a:extLst>
+          </p:cNvPr>
+          <p:cNvPicPr>
+            <a:picLocks noChangeAspect="1"/>
+          </p:cNvPicPr>
+          <p:nvPr/>
+        </p:nvPicPr>
+        <p:blipFill>
+          <a:blip r:embed="rId3"/>
+          <a:stretch>
+            <a:fillRect/>
+          </a:stretch>
+        </p:blipFill>
+        <p:spPr>
+          <a:xfrm>
+            <a:off x="8520" y="1890950"/>
+            <a:ext cx="8535360" cy="2521040"/>
+          </a:xfrm>
+          <a:prstGeom prst="rect">
+            <a:avLst/>
+          </a:prstGeom>
+        </p:spPr>
+      </p:pic>
+    </p:spTree>
+    <p:extLst>
+      <p:ext uri="{BB962C8B-B14F-4D97-AF65-F5344CB8AC3E}">
+        <p14:creationId xmlns:p14="http://schemas.microsoft.com/office/powerpoint/2010/main" val="114575405"/>
+      </p:ext>
+    </p:extLst>
+  </p:cSld>
+  <p:clrMapOvr>
+    <a:masterClrMapping/>
+  </p:clrMapOvr>
+</p:sld>
+</file>
+
+<file path=ppt/slides/slide13.xml><?xml version="1.0" encoding="utf-8"?>
+<p:sld xmlns:a="http://schemas.openxmlformats.org/drawingml/2006/main" xmlns:r="http://schemas.openxmlformats.org/officeDocument/2006/relationships" xmlns:p="http://schemas.openxmlformats.org/presentationml/2006/main">
+  <p:cSld>
+    <p:spTree>
+      <p:nvGrpSpPr>
+        <p:cNvPr id="1" name=""/>
+        <p:cNvGrpSpPr/>
+        <p:nvPr/>
+      </p:nvGrpSpPr>
+      <p:grpSpPr>
+        <a:xfrm>
+          <a:off x="0" y="0"/>
+          <a:ext cx="0" cy="0"/>
+          <a:chOff x="0" y="0"/>
+          <a:chExt cx="0" cy="0"/>
+        </a:xfrm>
+      </p:grpSpPr>
+      <p:sp>
+        <p:nvSpPr>
+          <p:cNvPr id="2" name="Заголовок 1">
+            <a:extLst>
+              <a:ext uri="{FF2B5EF4-FFF2-40B4-BE49-F238E27FC236}">
+                <a16:creationId xmlns:a16="http://schemas.microsoft.com/office/drawing/2014/main" id="{99CE4F2A-E079-4DB7-8929-0E5DA3775D61}"/>
+              </a:ext>
+            </a:extLst>
+          </p:cNvPr>
+          <p:cNvSpPr>
+            <a:spLocks noGrp="1"/>
+          </p:cNvSpPr>
+          <p:nvPr>
+            <p:ph type="title"/>
+          </p:nvPr>
+        </p:nvSpPr>
+        <p:spPr/>
+        <p:txBody>
+          <a:bodyPr/>
+          <a:lstStyle/>
+          <a:p>
+            <a:endParaRPr lang="ru-RU"/>
+          </a:p>
+        </p:txBody>
+      </p:sp>
+      <p:sp>
+        <p:nvSpPr>
+          <p:cNvPr id="3" name="Текст 2">
+            <a:extLst>
+              <a:ext uri="{FF2B5EF4-FFF2-40B4-BE49-F238E27FC236}">
+                <a16:creationId xmlns:a16="http://schemas.microsoft.com/office/drawing/2014/main" id="{CF20D79C-0816-42E3-91B8-906E8A946B3E}"/>
+              </a:ext>
+            </a:extLst>
+          </p:cNvPr>
+          <p:cNvSpPr>
+            <a:spLocks noGrp="1"/>
+          </p:cNvSpPr>
+          <p:nvPr>
+            <p:ph type="body" idx="1"/>
+          </p:nvPr>
+        </p:nvSpPr>
+        <p:spPr/>
+        <p:txBody>
+          <a:bodyPr/>
+          <a:lstStyle/>
+          <a:p>
+            <a:endParaRPr lang="ru-RU" dirty="0"/>
+          </a:p>
+        </p:txBody>
+      </p:sp>
+      <p:sp>
+        <p:nvSpPr>
+          <p:cNvPr id="4" name="Номер слайда 3">
+            <a:extLst>
+              <a:ext uri="{FF2B5EF4-FFF2-40B4-BE49-F238E27FC236}">
+                <a16:creationId xmlns:a16="http://schemas.microsoft.com/office/drawing/2014/main" id="{FC1DCA65-46D9-4887-8CC8-294986EC199F}"/>
+              </a:ext>
+            </a:extLst>
+          </p:cNvPr>
+          <p:cNvSpPr>
+            <a:spLocks noGrp="1"/>
+          </p:cNvSpPr>
+          <p:nvPr>
+            <p:ph type="sldNum" idx="12"/>
+          </p:nvPr>
+        </p:nvSpPr>
+        <p:spPr/>
+        <p:txBody>
+          <a:bodyPr/>
+          <a:lstStyle/>
+          <a:p>
+            <a:pPr marL="0" lvl="0" indent="0" algn="r" rtl="0">
+              <a:spcBef>
+                <a:spcPts val="0"/>
+              </a:spcBef>
+              <a:spcAft>
+                <a:spcPts val="0"/>
+              </a:spcAft>
+              <a:buNone/>
+            </a:pPr>
+            <a:fld id="{00000000-1234-1234-1234-123412341234}" type="slidenum">
+              <a:rPr lang="en" smtClean="0"/>
+              <a:pPr marL="0" lvl="0" indent="0" algn="r" rtl="0">
+                <a:spcBef>
+                  <a:spcPts val="0"/>
+                </a:spcBef>
+                <a:spcAft>
+                  <a:spcPts val="0"/>
+                </a:spcAft>
+                <a:buNone/>
+              </a:pPr>
+              <a:t>13</a:t>
+            </a:fld>
+            <a:endParaRPr lang="en"/>
+          </a:p>
+        </p:txBody>
+      </p:sp>
+      <p:pic>
+        <p:nvPicPr>
+          <p:cNvPr id="5" name="Рисунок 4">
+            <a:extLst>
+              <a:ext uri="{FF2B5EF4-FFF2-40B4-BE49-F238E27FC236}">
+                <a16:creationId xmlns:a16="http://schemas.microsoft.com/office/drawing/2014/main" id="{259C9A23-5165-4604-AC83-78C4EBF1FC90}"/>
+              </a:ext>
+            </a:extLst>
+          </p:cNvPr>
+          <p:cNvPicPr>
+            <a:picLocks noChangeAspect="1"/>
+          </p:cNvPicPr>
+          <p:nvPr/>
+        </p:nvPicPr>
+        <p:blipFill>
+          <a:blip r:embed="rId2"/>
+          <a:stretch>
+            <a:fillRect/>
+          </a:stretch>
+        </p:blipFill>
+        <p:spPr>
+          <a:xfrm>
+            <a:off x="0" y="1202369"/>
+            <a:ext cx="9144000" cy="2521857"/>
+          </a:xfrm>
+          <a:prstGeom prst="rect">
+            <a:avLst/>
+          </a:prstGeom>
+        </p:spPr>
+      </p:pic>
+    </p:spTree>
+    <p:extLst>
+      <p:ext uri="{BB962C8B-B14F-4D97-AF65-F5344CB8AC3E}">
+        <p14:creationId xmlns:p14="http://schemas.microsoft.com/office/powerpoint/2010/main" val="3670572523"/>
+      </p:ext>
+    </p:extLst>
+  </p:cSld>
+  <p:clrMapOvr>
+    <a:masterClrMapping/>
+  </p:clrMapOvr>
+</p:sld>
+</file>
+
+<file path=ppt/slides/slide14.xml><?xml version="1.0" encoding="utf-8"?>
+<p:sld xmlns:a="http://schemas.openxmlformats.org/drawingml/2006/main" xmlns:r="http://schemas.openxmlformats.org/officeDocument/2006/relationships" xmlns:p="http://schemas.openxmlformats.org/presentationml/2006/main">
+  <p:cSld>
+    <p:spTree>
+      <p:nvGrpSpPr>
+        <p:cNvPr id="1" name=""/>
+        <p:cNvGrpSpPr/>
+        <p:nvPr/>
+      </p:nvGrpSpPr>
+      <p:grpSpPr>
+        <a:xfrm>
+          <a:off x="0" y="0"/>
+          <a:ext cx="0" cy="0"/>
+          <a:chOff x="0" y="0"/>
+          <a:chExt cx="0" cy="0"/>
+        </a:xfrm>
+      </p:grpSpPr>
+      <p:sp>
+        <p:nvSpPr>
+          <p:cNvPr id="2" name="Заголовок 1">
+            <a:extLst>
+              <a:ext uri="{FF2B5EF4-FFF2-40B4-BE49-F238E27FC236}">
+                <a16:creationId xmlns:a16="http://schemas.microsoft.com/office/drawing/2014/main" id="{090BCC26-B38F-470E-9FC2-27A8BD31B121}"/>
+              </a:ext>
+            </a:extLst>
+          </p:cNvPr>
+          <p:cNvSpPr>
+            <a:spLocks noGrp="1"/>
+          </p:cNvSpPr>
+          <p:nvPr>
+            <p:ph type="title"/>
+          </p:nvPr>
+        </p:nvSpPr>
+        <p:spPr/>
+        <p:txBody>
+          <a:bodyPr/>
+          <a:lstStyle/>
+          <a:p>
+            <a:r>
+              <a:rPr lang="en-US" dirty="0">
+                <a:latin typeface="Microsoft YaHei" panose="020B0503020204020204" pitchFamily="34" charset="-122"/>
+                <a:ea typeface="Microsoft YaHei" panose="020B0503020204020204" pitchFamily="34" charset="-122"/>
+              </a:rPr>
+              <a:t>LDA and wordnet for top correlated books</a:t>
+            </a:r>
+            <a:endParaRPr lang="ru-RU" dirty="0">
+              <a:latin typeface="Microsoft YaHei" panose="020B0503020204020204" pitchFamily="34" charset="-122"/>
+              <a:ea typeface="Microsoft YaHei" panose="020B0503020204020204" pitchFamily="34" charset="-122"/>
+            </a:endParaRPr>
+          </a:p>
+        </p:txBody>
+      </p:sp>
+      <p:sp>
+        <p:nvSpPr>
+          <p:cNvPr id="4" name="Номер слайда 3">
+            <a:extLst>
+              <a:ext uri="{FF2B5EF4-FFF2-40B4-BE49-F238E27FC236}">
+                <a16:creationId xmlns:a16="http://schemas.microsoft.com/office/drawing/2014/main" id="{288B6F44-0BD7-44E3-ADA4-6D2F8FD97FD7}"/>
+              </a:ext>
+            </a:extLst>
+          </p:cNvPr>
+          <p:cNvSpPr>
+            <a:spLocks noGrp="1"/>
+          </p:cNvSpPr>
+          <p:nvPr>
+            <p:ph type="sldNum" idx="12"/>
+          </p:nvPr>
+        </p:nvSpPr>
+        <p:spPr/>
+        <p:txBody>
+          <a:bodyPr/>
+          <a:lstStyle/>
+          <a:p>
+            <a:pPr marL="0" lvl="0" indent="0" algn="r" rtl="0">
+              <a:spcBef>
+                <a:spcPts val="0"/>
+              </a:spcBef>
+              <a:spcAft>
+                <a:spcPts val="0"/>
+              </a:spcAft>
+              <a:buNone/>
+            </a:pPr>
+            <a:fld id="{00000000-1234-1234-1234-123412341234}" type="slidenum">
+              <a:rPr lang="en" smtClean="0"/>
+              <a:pPr marL="0" lvl="0" indent="0" algn="r" rtl="0">
+                <a:spcBef>
+                  <a:spcPts val="0"/>
+                </a:spcBef>
+                <a:spcAft>
+                  <a:spcPts val="0"/>
+                </a:spcAft>
+                <a:buNone/>
+              </a:pPr>
+              <a:t>14</a:t>
+            </a:fld>
+            <a:endParaRPr lang="en"/>
+          </a:p>
+        </p:txBody>
+      </p:sp>
+      <p:pic>
+        <p:nvPicPr>
+          <p:cNvPr id="3" name="Рисунок 2">
+            <a:extLst>
+              <a:ext uri="{FF2B5EF4-FFF2-40B4-BE49-F238E27FC236}">
+                <a16:creationId xmlns:a16="http://schemas.microsoft.com/office/drawing/2014/main" id="{C4E8D5D8-9B6F-44F2-BDDA-CCA70C87E896}"/>
+              </a:ext>
+            </a:extLst>
+          </p:cNvPr>
+          <p:cNvPicPr>
+            <a:picLocks noChangeAspect="1"/>
+          </p:cNvPicPr>
+          <p:nvPr/>
+        </p:nvPicPr>
+        <p:blipFill>
+          <a:blip r:embed="rId2"/>
+          <a:stretch>
+            <a:fillRect/>
+          </a:stretch>
+        </p:blipFill>
+        <p:spPr>
+          <a:xfrm>
+            <a:off x="0" y="1557815"/>
+            <a:ext cx="9144000" cy="2866310"/>
+          </a:xfrm>
+          <a:prstGeom prst="rect">
+            <a:avLst/>
+          </a:prstGeom>
+        </p:spPr>
+      </p:pic>
+    </p:spTree>
+    <p:extLst>
+      <p:ext uri="{BB962C8B-B14F-4D97-AF65-F5344CB8AC3E}">
+        <p14:creationId xmlns:p14="http://schemas.microsoft.com/office/powerpoint/2010/main" val="2181809068"/>
+      </p:ext>
+    </p:extLst>
+  </p:cSld>
+  <p:clrMapOvr>
+    <a:masterClrMapping/>
+  </p:clrMapOvr>
+</p:sld>
+</file>
+
+<file path=ppt/slides/slide15.xml><?xml version="1.0" encoding="utf-8"?>
+<p:sld xmlns:a="http://schemas.openxmlformats.org/drawingml/2006/main" xmlns:r="http://schemas.openxmlformats.org/officeDocument/2006/relationships" xmlns:p="http://schemas.openxmlformats.org/presentationml/2006/main">
+  <p:cSld>
+    <p:spTree>
+      <p:nvGrpSpPr>
+        <p:cNvPr id="1" name=""/>
+        <p:cNvGrpSpPr/>
+        <p:nvPr/>
+      </p:nvGrpSpPr>
+      <p:grpSpPr>
+        <a:xfrm>
+          <a:off x="0" y="0"/>
+          <a:ext cx="0" cy="0"/>
+          <a:chOff x="0" y="0"/>
+          <a:chExt cx="0" cy="0"/>
+        </a:xfrm>
+      </p:grpSpPr>
+      <p:sp>
+        <p:nvSpPr>
+          <p:cNvPr id="2" name="Заголовок 1">
+            <a:extLst>
+              <a:ext uri="{FF2B5EF4-FFF2-40B4-BE49-F238E27FC236}">
+                <a16:creationId xmlns:a16="http://schemas.microsoft.com/office/drawing/2014/main" id="{7D103A11-C476-47B9-9074-BFE6B876B3B5}"/>
+              </a:ext>
+            </a:extLst>
+          </p:cNvPr>
+          <p:cNvSpPr>
+            <a:spLocks noGrp="1"/>
+          </p:cNvSpPr>
+          <p:nvPr>
+            <p:ph type="title"/>
+          </p:nvPr>
+        </p:nvSpPr>
+        <p:spPr/>
+        <p:txBody>
+          <a:bodyPr/>
+          <a:lstStyle/>
+          <a:p>
+            <a:endParaRPr lang="ru-RU"/>
+          </a:p>
+        </p:txBody>
+      </p:sp>
+      <p:sp>
+        <p:nvSpPr>
+          <p:cNvPr id="3" name="Текст 2">
+            <a:extLst>
+              <a:ext uri="{FF2B5EF4-FFF2-40B4-BE49-F238E27FC236}">
+                <a16:creationId xmlns:a16="http://schemas.microsoft.com/office/drawing/2014/main" id="{2933F260-C3C4-4606-A9EB-E14184A9CC5F}"/>
+              </a:ext>
+            </a:extLst>
+          </p:cNvPr>
+          <p:cNvSpPr>
+            <a:spLocks noGrp="1"/>
+          </p:cNvSpPr>
+          <p:nvPr>
+            <p:ph type="body" idx="1"/>
+          </p:nvPr>
+        </p:nvSpPr>
+        <p:spPr/>
+        <p:txBody>
+          <a:bodyPr/>
+          <a:lstStyle/>
+          <a:p>
+            <a:endParaRPr lang="ru-RU" dirty="0"/>
+          </a:p>
+        </p:txBody>
+      </p:sp>
+      <p:sp>
+        <p:nvSpPr>
+          <p:cNvPr id="4" name="Номер слайда 3">
+            <a:extLst>
+              <a:ext uri="{FF2B5EF4-FFF2-40B4-BE49-F238E27FC236}">
+                <a16:creationId xmlns:a16="http://schemas.microsoft.com/office/drawing/2014/main" id="{CA72751D-CFCE-44F0-95A4-8D016D0EBFC5}"/>
+              </a:ext>
+            </a:extLst>
+          </p:cNvPr>
+          <p:cNvSpPr>
+            <a:spLocks noGrp="1"/>
+          </p:cNvSpPr>
+          <p:nvPr>
+            <p:ph type="sldNum" idx="12"/>
+          </p:nvPr>
+        </p:nvSpPr>
+        <p:spPr/>
+        <p:txBody>
+          <a:bodyPr/>
+          <a:lstStyle/>
+          <a:p>
+            <a:pPr marL="0" lvl="0" indent="0" algn="r" rtl="0">
+              <a:spcBef>
+                <a:spcPts val="0"/>
+              </a:spcBef>
+              <a:spcAft>
+                <a:spcPts val="0"/>
+              </a:spcAft>
+              <a:buNone/>
+            </a:pPr>
+            <a:fld id="{00000000-1234-1234-1234-123412341234}" type="slidenum">
+              <a:rPr lang="en" smtClean="0"/>
+              <a:pPr marL="0" lvl="0" indent="0" algn="r" rtl="0">
+                <a:spcBef>
+                  <a:spcPts val="0"/>
+                </a:spcBef>
+                <a:spcAft>
+                  <a:spcPts val="0"/>
+                </a:spcAft>
+                <a:buNone/>
+              </a:pPr>
+              <a:t>15</a:t>
+            </a:fld>
+            <a:endParaRPr lang="en"/>
+          </a:p>
+        </p:txBody>
+      </p:sp>
+      <p:pic>
+        <p:nvPicPr>
+          <p:cNvPr id="5" name="Рисунок 4">
+            <a:extLst>
+              <a:ext uri="{FF2B5EF4-FFF2-40B4-BE49-F238E27FC236}">
+                <a16:creationId xmlns:a16="http://schemas.microsoft.com/office/drawing/2014/main" id="{4ADA2620-94FB-49DE-A8BB-677C83DFE478}"/>
+              </a:ext>
+            </a:extLst>
+          </p:cNvPr>
+          <p:cNvPicPr>
+            <a:picLocks noChangeAspect="1"/>
+          </p:cNvPicPr>
+          <p:nvPr/>
+        </p:nvPicPr>
+        <p:blipFill>
+          <a:blip r:embed="rId2"/>
+          <a:stretch>
+            <a:fillRect/>
+          </a:stretch>
+        </p:blipFill>
+        <p:spPr>
+          <a:xfrm>
+            <a:off x="35496" y="510321"/>
+            <a:ext cx="5891990" cy="3996664"/>
+          </a:xfrm>
+          <a:prstGeom prst="rect">
+            <a:avLst/>
+          </a:prstGeom>
+        </p:spPr>
+      </p:pic>
+      <p:pic>
+        <p:nvPicPr>
+          <p:cNvPr id="6" name="Picture 4">
+            <a:extLst>
+              <a:ext uri="{FF2B5EF4-FFF2-40B4-BE49-F238E27FC236}">
+                <a16:creationId xmlns:a16="http://schemas.microsoft.com/office/drawing/2014/main" id="{1480E058-3B34-4E3A-A285-4A9261388E75}"/>
+              </a:ext>
+            </a:extLst>
+          </p:cNvPr>
+          <p:cNvPicPr>
+            <a:picLocks noChangeAspect="1" noChangeArrowheads="1"/>
+          </p:cNvPicPr>
+          <p:nvPr/>
+        </p:nvPicPr>
+        <p:blipFill>
+          <a:blip r:embed="rId3"/>
+          <a:srcRect/>
+          <a:stretch>
+            <a:fillRect/>
+          </a:stretch>
+        </p:blipFill>
+        <p:spPr bwMode="auto">
+          <a:xfrm>
+            <a:off x="5606478" y="1777190"/>
+            <a:ext cx="2854960" cy="1143008"/>
+          </a:xfrm>
+          <a:prstGeom prst="rect">
+            <a:avLst/>
+          </a:prstGeom>
+          <a:noFill/>
+          <a:ln w="9525">
+            <a:noFill/>
+            <a:miter lim="800000"/>
+            <a:headEnd/>
+            <a:tailEnd/>
+          </a:ln>
+          <a:effectLst/>
+        </p:spPr>
+      </p:pic>
+    </p:spTree>
+    <p:extLst>
+      <p:ext uri="{BB962C8B-B14F-4D97-AF65-F5344CB8AC3E}">
+        <p14:creationId xmlns:p14="http://schemas.microsoft.com/office/powerpoint/2010/main" val="1133963827"/>
+      </p:ext>
+    </p:extLst>
+  </p:cSld>
+  <p:clrMapOvr>
+    <a:masterClrMapping/>
+  </p:clrMapOvr>
+</p:sld>
+</file>
+
+<file path=ppt/slides/slide16.xml><?xml version="1.0" encoding="utf-8"?>
+<p:sld xmlns:a="http://schemas.openxmlformats.org/drawingml/2006/main" xmlns:r="http://schemas.openxmlformats.org/officeDocument/2006/relationships" xmlns:p="http://schemas.openxmlformats.org/presentationml/2006/main">
+  <p:cSld>
+    <p:spTree>
+      <p:nvGrpSpPr>
+        <p:cNvPr id="1" name=""/>
+        <p:cNvGrpSpPr/>
+        <p:nvPr/>
+      </p:nvGrpSpPr>
+      <p:grpSpPr>
+        <a:xfrm>
+          <a:off x="0" y="0"/>
+          <a:ext cx="0" cy="0"/>
+          <a:chOff x="0" y="0"/>
+          <a:chExt cx="0" cy="0"/>
+        </a:xfrm>
+      </p:grpSpPr>
+      <p:sp>
+        <p:nvSpPr>
+          <p:cNvPr id="2" name="Заголовок 1">
+            <a:extLst>
+              <a:ext uri="{FF2B5EF4-FFF2-40B4-BE49-F238E27FC236}">
+                <a16:creationId xmlns:a16="http://schemas.microsoft.com/office/drawing/2014/main" id="{774A13C4-D375-4E05-9A5E-C03982C896D9}"/>
+              </a:ext>
+            </a:extLst>
+          </p:cNvPr>
+          <p:cNvSpPr>
+            <a:spLocks noGrp="1"/>
+          </p:cNvSpPr>
+          <p:nvPr>
+            <p:ph type="title"/>
+          </p:nvPr>
+        </p:nvSpPr>
+        <p:spPr>
+          <a:xfrm>
+            <a:off x="1857356" y="285734"/>
+            <a:ext cx="6616800" cy="699900"/>
+          </a:xfrm>
+        </p:spPr>
+        <p:txBody>
+          <a:bodyPr/>
+          <a:lstStyle/>
+          <a:p>
+            <a:r>
+              <a:rPr lang="en-US" dirty="0">
+                <a:latin typeface="Microsoft YaHei" panose="020B0503020204020204" pitchFamily="34" charset="-122"/>
+                <a:ea typeface="Microsoft YaHei" panose="020B0503020204020204" pitchFamily="34" charset="-122"/>
+              </a:rPr>
+              <a:t>Wrap up algorithms in the bot  </a:t>
+            </a:r>
+            <a:endParaRPr lang="ru-RU" dirty="0">
+              <a:latin typeface="Microsoft YaHei" panose="020B0503020204020204" pitchFamily="34" charset="-122"/>
+              <a:ea typeface="Microsoft YaHei" panose="020B0503020204020204" pitchFamily="34" charset="-122"/>
+            </a:endParaRPr>
+          </a:p>
+        </p:txBody>
+      </p:sp>
+      <p:sp>
+        <p:nvSpPr>
+          <p:cNvPr id="4" name="Номер слайда 3">
+            <a:extLst>
+              <a:ext uri="{FF2B5EF4-FFF2-40B4-BE49-F238E27FC236}">
+                <a16:creationId xmlns:a16="http://schemas.microsoft.com/office/drawing/2014/main" id="{3C01F21F-1E12-47B8-B550-FA150178258C}"/>
+              </a:ext>
+            </a:extLst>
+          </p:cNvPr>
+          <p:cNvSpPr>
+            <a:spLocks noGrp="1"/>
+          </p:cNvSpPr>
+          <p:nvPr>
+            <p:ph type="sldNum" idx="12"/>
+          </p:nvPr>
+        </p:nvSpPr>
+        <p:spPr/>
+        <p:txBody>
+          <a:bodyPr/>
+          <a:lstStyle/>
+          <a:p>
+            <a:pPr marL="0" lvl="0" indent="0" algn="r" rtl="0">
+              <a:spcBef>
+                <a:spcPts val="0"/>
+              </a:spcBef>
+              <a:spcAft>
+                <a:spcPts val="0"/>
+              </a:spcAft>
+              <a:buNone/>
+            </a:pPr>
+            <a:fld id="{00000000-1234-1234-1234-123412341234}" type="slidenum">
+              <a:rPr lang="en" smtClean="0"/>
+              <a:pPr marL="0" lvl="0" indent="0" algn="r" rtl="0">
+                <a:spcBef>
+                  <a:spcPts val="0"/>
+                </a:spcBef>
+                <a:spcAft>
+                  <a:spcPts val="0"/>
+                </a:spcAft>
+                <a:buNone/>
+              </a:pPr>
+              <a:t>16</a:t>
+            </a:fld>
+            <a:endParaRPr lang="en"/>
+          </a:p>
+        </p:txBody>
+      </p:sp>
+      <p:pic>
+        <p:nvPicPr>
+          <p:cNvPr id="3" name="Рисунок 2">
+            <a:extLst>
+              <a:ext uri="{FF2B5EF4-FFF2-40B4-BE49-F238E27FC236}">
+                <a16:creationId xmlns:a16="http://schemas.microsoft.com/office/drawing/2014/main" id="{DF278B0F-2510-4FFB-A2A0-E80C86A33CAF}"/>
+              </a:ext>
+            </a:extLst>
+          </p:cNvPr>
+          <p:cNvPicPr>
+            <a:picLocks noChangeAspect="1"/>
+          </p:cNvPicPr>
+          <p:nvPr/>
+        </p:nvPicPr>
+        <p:blipFill>
+          <a:blip r:embed="rId2"/>
+          <a:stretch>
+            <a:fillRect/>
+          </a:stretch>
+        </p:blipFill>
+        <p:spPr>
+          <a:xfrm>
+            <a:off x="1259632" y="1004177"/>
+            <a:ext cx="6192688" cy="3862766"/>
+          </a:xfrm>
+          <a:prstGeom prst="rect">
+            <a:avLst/>
+          </a:prstGeom>
+        </p:spPr>
+      </p:pic>
+    </p:spTree>
+    <p:extLst>
+      <p:ext uri="{BB962C8B-B14F-4D97-AF65-F5344CB8AC3E}">
+        <p14:creationId xmlns:p14="http://schemas.microsoft.com/office/powerpoint/2010/main" val="998353"/>
+      </p:ext>
+    </p:extLst>
+  </p:cSld>
+  <p:clrMapOvr>
+    <a:masterClrMapping/>
+  </p:clrMapOvr>
+</p:sld>
+</file>
+
+<file path=ppt/slides/slide17.xml><?xml version="1.0" encoding="utf-8"?>
+<p:sld xmlns:a="http://schemas.openxmlformats.org/drawingml/2006/main" xmlns:r="http://schemas.openxmlformats.org/officeDocument/2006/relationships" xmlns:p="http://schemas.openxmlformats.org/presentationml/2006/main">
+  <p:cSld>
+    <p:spTree>
+      <p:nvGrpSpPr>
+        <p:cNvPr id="1" name=""/>
+        <p:cNvGrpSpPr/>
+        <p:nvPr/>
+      </p:nvGrpSpPr>
+      <p:grpSpPr>
+        <a:xfrm>
+          <a:off x="0" y="0"/>
+          <a:ext cx="0" cy="0"/>
+          <a:chOff x="0" y="0"/>
+          <a:chExt cx="0" cy="0"/>
+        </a:xfrm>
+      </p:grpSpPr>
+      <p:sp>
+        <p:nvSpPr>
+          <p:cNvPr id="2" name="Заголовок 1">
+            <a:extLst>
+              <a:ext uri="{FF2B5EF4-FFF2-40B4-BE49-F238E27FC236}">
+                <a16:creationId xmlns:a16="http://schemas.microsoft.com/office/drawing/2014/main" id="{D1A06041-442E-4AEF-B9FA-6E21BDB13D45}"/>
+              </a:ext>
+            </a:extLst>
+          </p:cNvPr>
+          <p:cNvSpPr>
+            <a:spLocks noGrp="1"/>
+          </p:cNvSpPr>
+          <p:nvPr>
+            <p:ph type="title"/>
+          </p:nvPr>
+        </p:nvSpPr>
+        <p:spPr/>
+        <p:txBody>
+          <a:bodyPr/>
+          <a:lstStyle/>
+          <a:p>
+            <a:endParaRPr lang="ru-RU"/>
+          </a:p>
+        </p:txBody>
+      </p:sp>
+      <p:sp>
+        <p:nvSpPr>
+          <p:cNvPr id="3" name="Текст 2">
+            <a:extLst>
+              <a:ext uri="{FF2B5EF4-FFF2-40B4-BE49-F238E27FC236}">
+                <a16:creationId xmlns:a16="http://schemas.microsoft.com/office/drawing/2014/main" id="{2D63216E-3400-4BEF-982A-6A4A3F22318D}"/>
+              </a:ext>
+            </a:extLst>
+          </p:cNvPr>
+          <p:cNvSpPr>
+            <a:spLocks noGrp="1"/>
+          </p:cNvSpPr>
+          <p:nvPr>
+            <p:ph type="body" idx="1"/>
+          </p:nvPr>
+        </p:nvSpPr>
+        <p:spPr/>
+        <p:txBody>
+          <a:bodyPr/>
+          <a:lstStyle/>
+          <a:p>
+            <a:endParaRPr lang="ru-RU"/>
+          </a:p>
+        </p:txBody>
+      </p:sp>
+      <p:sp>
+        <p:nvSpPr>
+          <p:cNvPr id="4" name="Номер слайда 3">
+            <a:extLst>
+              <a:ext uri="{FF2B5EF4-FFF2-40B4-BE49-F238E27FC236}">
+                <a16:creationId xmlns:a16="http://schemas.microsoft.com/office/drawing/2014/main" id="{EAEC0E49-73F3-46C7-9F14-D060A8AAA6FF}"/>
+              </a:ext>
+            </a:extLst>
+          </p:cNvPr>
+          <p:cNvSpPr>
+            <a:spLocks noGrp="1"/>
+          </p:cNvSpPr>
+          <p:nvPr>
+            <p:ph type="sldNum" idx="12"/>
+          </p:nvPr>
+        </p:nvSpPr>
+        <p:spPr/>
+        <p:txBody>
+          <a:bodyPr/>
+          <a:lstStyle/>
+          <a:p>
+            <a:pPr marL="0" lvl="0" indent="0" algn="r" rtl="0">
+              <a:spcBef>
+                <a:spcPts val="0"/>
+              </a:spcBef>
+              <a:spcAft>
+                <a:spcPts val="0"/>
+              </a:spcAft>
+              <a:buNone/>
+            </a:pPr>
+            <a:fld id="{00000000-1234-1234-1234-123412341234}" type="slidenum">
+              <a:rPr lang="en" smtClean="0"/>
+              <a:pPr marL="0" lvl="0" indent="0" algn="r" rtl="0">
+                <a:spcBef>
+                  <a:spcPts val="0"/>
+                </a:spcBef>
+                <a:spcAft>
+                  <a:spcPts val="0"/>
+                </a:spcAft>
+                <a:buNone/>
+              </a:pPr>
+              <a:t>17</a:t>
+            </a:fld>
+            <a:endParaRPr lang="en"/>
+          </a:p>
+        </p:txBody>
+      </p:sp>
+      <p:pic>
+        <p:nvPicPr>
+          <p:cNvPr id="5" name="Рисунок 4">
+            <a:extLst>
+              <a:ext uri="{FF2B5EF4-FFF2-40B4-BE49-F238E27FC236}">
+                <a16:creationId xmlns:a16="http://schemas.microsoft.com/office/drawing/2014/main" id="{77B387A5-77BB-492E-9213-C0F0429F2D6D}"/>
+              </a:ext>
+            </a:extLst>
+          </p:cNvPr>
+          <p:cNvPicPr>
+            <a:picLocks noChangeAspect="1"/>
+          </p:cNvPicPr>
+          <p:nvPr/>
+        </p:nvPicPr>
+        <p:blipFill>
+          <a:blip r:embed="rId2"/>
+          <a:stretch>
+            <a:fillRect/>
+          </a:stretch>
+        </p:blipFill>
+        <p:spPr>
+          <a:xfrm>
+            <a:off x="1421160" y="515605"/>
+            <a:ext cx="6301680" cy="3976421"/>
+          </a:xfrm>
+          <a:prstGeom prst="rect">
+            <a:avLst/>
+          </a:prstGeom>
+        </p:spPr>
+      </p:pic>
+    </p:spTree>
+    <p:extLst>
+      <p:ext uri="{BB962C8B-B14F-4D97-AF65-F5344CB8AC3E}">
+        <p14:creationId xmlns:p14="http://schemas.microsoft.com/office/powerpoint/2010/main" val="3511914632"/>
+      </p:ext>
+    </p:extLst>
+  </p:cSld>
+  <p:clrMapOvr>
+    <a:masterClrMapping/>
+  </p:clrMapOvr>
+</p:sld>
+</file>
+
+<file path=ppt/slides/slide18.xml><?xml version="1.0" encoding="utf-8"?>
 <p:sld xmlns:a="http://schemas.openxmlformats.org/drawingml/2006/main" xmlns:r="http://schemas.openxmlformats.org/officeDocument/2006/relationships" xmlns:p="http://schemas.openxmlformats.org/presentationml/2006/main">
   <p:cSld>
     <p:spTree>
@@ -4812,10 +6268,16 @@
           <a:lstStyle/>
           <a:p>
             <a:r>
-              <a:rPr lang="en-US" dirty="0" smtClean="0"/>
+              <a:rPr lang="en-US" dirty="0">
+                <a:latin typeface="Microsoft YaHei" panose="020B0503020204020204" pitchFamily="34" charset="-122"/>
+                <a:ea typeface="Microsoft YaHei" panose="020B0503020204020204" pitchFamily="34" charset="-122"/>
+              </a:rPr>
               <a:t>What do we get from this project?</a:t>
             </a:r>
-            <a:endParaRPr lang="ru-RU" dirty="0"/>
+            <a:endParaRPr lang="ru-RU" dirty="0">
+              <a:latin typeface="Microsoft YaHei" panose="020B0503020204020204" pitchFamily="34" charset="-122"/>
+              <a:ea typeface="Microsoft YaHei" panose="020B0503020204020204" pitchFamily="34" charset="-122"/>
+            </a:endParaRPr>
           </a:p>
         </p:txBody>
       </p:sp>
@@ -4835,23 +6297,35 @@
           <a:lstStyle/>
           <a:p>
             <a:r>
-              <a:rPr lang="en-US" dirty="0" smtClean="0"/>
+              <a:rPr lang="en-US" dirty="0">
+                <a:latin typeface="Microsoft YaHei" panose="020B0503020204020204" pitchFamily="34" charset="-122"/>
+                <a:ea typeface="Microsoft YaHei" panose="020B0503020204020204" pitchFamily="34" charset="-122"/>
+              </a:rPr>
               <a:t>No stresses in finding what to read next.</a:t>
             </a:r>
           </a:p>
           <a:p>
             <a:r>
-              <a:rPr lang="en-US" dirty="0" smtClean="0"/>
+              <a:rPr lang="en-US" dirty="0">
+                <a:latin typeface="Microsoft YaHei" panose="020B0503020204020204" pitchFamily="34" charset="-122"/>
+                <a:ea typeface="Microsoft YaHei" panose="020B0503020204020204" pitchFamily="34" charset="-122"/>
+              </a:rPr>
               <a:t>No need to search for similar books</a:t>
             </a:r>
           </a:p>
           <a:p>
             <a:r>
-              <a:rPr lang="en-US" dirty="0" err="1" smtClean="0"/>
+              <a:rPr lang="en-US" dirty="0" err="1">
+                <a:latin typeface="Microsoft YaHei" panose="020B0503020204020204" pitchFamily="34" charset="-122"/>
+                <a:ea typeface="Microsoft YaHei" panose="020B0503020204020204" pitchFamily="34" charset="-122"/>
+              </a:rPr>
               <a:t>Bot</a:t>
             </a:r>
             <a:r>
-              <a:rPr lang="en-US" dirty="0" smtClean="0"/>
+              <a:rPr lang="en-US" dirty="0">
+                <a:latin typeface="Microsoft YaHei" panose="020B0503020204020204" pitchFamily="34" charset="-122"/>
+                <a:ea typeface="Microsoft YaHei" panose="020B0503020204020204" pitchFamily="34" charset="-122"/>
+              </a:rPr>
               <a:t> can recommend you what to present someone, according to the book he\she has read</a:t>
             </a:r>
           </a:p>
@@ -4892,7 +6366,7 @@
                 </a:spcAft>
                 <a:buNone/>
               </a:pPr>
-              <a:t>10</a:t>
+              <a:t>18</a:t>
             </a:fld>
             <a:endParaRPr lang="en"/>
           </a:p>
@@ -4906,7 +6380,7 @@
 </p:sld>
 </file>
 
-<file path=ppt/slides/slide11.xml><?xml version="1.0" encoding="utf-8"?>
+<file path=ppt/slides/slide19.xml><?xml version="1.0" encoding="utf-8"?>
 <p:sld xmlns:a="http://schemas.openxmlformats.org/drawingml/2006/main" xmlns:r="http://schemas.openxmlformats.org/officeDocument/2006/relationships" xmlns:p="http://schemas.openxmlformats.org/presentationml/2006/main">
   <p:cSld>
     <p:spTree>
@@ -4939,7 +6413,7 @@
           <a:lstStyle/>
           <a:p>
             <a:r>
-              <a:rPr lang="en-US" dirty="0" smtClean="0"/>
+              <a:rPr lang="en-US" dirty="0"/>
               <a:t>Thank you for your attention! </a:t>
             </a:r>
             <a:endParaRPr lang="ru-RU" dirty="0"/>
@@ -4981,7 +6455,7 @@
                 </a:spcAft>
                 <a:buNone/>
               </a:pPr>
-              <a:t>11</a:t>
+              <a:t>19</a:t>
             </a:fld>
             <a:endParaRPr lang="en"/>
           </a:p>
@@ -5047,10 +6521,20 @@
               <a:buNone/>
             </a:pPr>
             <a:r>
-              <a:rPr lang="en" dirty="0" smtClean="0"/>
-              <a:t>		Too many choises</a:t>
+              <a:rPr lang="en" dirty="0"/>
+              <a:t>		</a:t>
             </a:r>
-            <a:endParaRPr/>
+            <a:r>
+              <a:rPr lang="en" dirty="0">
+                <a:latin typeface="Microsoft YaHei" panose="020B0503020204020204" pitchFamily="34" charset="-122"/>
+                <a:ea typeface="Microsoft YaHei" panose="020B0503020204020204" pitchFamily="34" charset="-122"/>
+              </a:rPr>
+              <a:t>Too many choises</a:t>
+            </a:r>
+            <a:endParaRPr dirty="0">
+              <a:latin typeface="Microsoft YaHei" panose="020B0503020204020204" pitchFamily="34" charset="-122"/>
+              <a:ea typeface="Microsoft YaHei" panose="020B0503020204020204" pitchFamily="34" charset="-122"/>
+            </a:endParaRPr>
           </a:p>
         </p:txBody>
       </p:sp>
@@ -5287,13 +6771,6 @@
   <p:clrMapOvr>
     <a:masterClrMapping/>
   </p:clrMapOvr>
-  <p:timing>
-    <p:tnLst>
-      <p:par>
-        <p:cTn id="1" dur="indefinite" restart="never" nodeType="tmRoot"/>
-      </p:par>
-    </p:tnLst>
-  </p:timing>
 </p:sld>
 </file>
 
@@ -5462,152 +6939,8 @@
         </p:blipFill>
         <p:spPr bwMode="auto">
           <a:xfrm>
-            <a:off x="0" y="0"/>
+            <a:off x="53009" y="0"/>
             <a:ext cx="10048875" cy="6219825"/>
-          </a:xfrm>
-          <a:prstGeom prst="rect">
-            <a:avLst/>
-          </a:prstGeom>
-          <a:noFill/>
-          <a:ln w="9525">
-            <a:noFill/>
-            <a:miter lim="800000"/>
-            <a:headEnd/>
-            <a:tailEnd/>
-          </a:ln>
-          <a:effectLst/>
-        </p:spPr>
-      </p:pic>
-    </p:spTree>
-  </p:cSld>
-  <p:clrMapOvr>
-    <a:masterClrMapping/>
-  </p:clrMapOvr>
-  <p:timing>
-    <p:tnLst>
-      <p:par>
-        <p:cTn id="1" dur="indefinite" restart="never" nodeType="tmRoot"/>
-      </p:par>
-    </p:tnLst>
-  </p:timing>
-</p:sld>
-</file>
-
-<file path=ppt/slides/slide4.xml><?xml version="1.0" encoding="utf-8"?>
-<p:sld xmlns:a="http://schemas.openxmlformats.org/drawingml/2006/main" xmlns:r="http://schemas.openxmlformats.org/officeDocument/2006/relationships" xmlns:p="http://schemas.openxmlformats.org/presentationml/2006/main">
-  <p:cSld>
-    <p:spTree>
-      <p:nvGrpSpPr>
-        <p:cNvPr id="1" name=""/>
-        <p:cNvGrpSpPr/>
-        <p:nvPr/>
-      </p:nvGrpSpPr>
-      <p:grpSpPr>
-        <a:xfrm>
-          <a:off x="0" y="0"/>
-          <a:ext cx="0" cy="0"/>
-          <a:chOff x="0" y="0"/>
-          <a:chExt cx="0" cy="0"/>
-        </a:xfrm>
-      </p:grpSpPr>
-      <p:sp>
-        <p:nvSpPr>
-          <p:cNvPr id="2" name="Заголовок 1"/>
-          <p:cNvSpPr>
-            <a:spLocks noGrp="1"/>
-          </p:cNvSpPr>
-          <p:nvPr>
-            <p:ph type="ctrTitle"/>
-          </p:nvPr>
-        </p:nvSpPr>
-        <p:spPr/>
-        <p:txBody>
-          <a:bodyPr/>
-          <a:lstStyle/>
-          <a:p>
-            <a:endParaRPr lang="ru-RU"/>
-          </a:p>
-        </p:txBody>
-      </p:sp>
-      <p:sp>
-        <p:nvSpPr>
-          <p:cNvPr id="3" name="Подзаголовок 2"/>
-          <p:cNvSpPr>
-            <a:spLocks noGrp="1"/>
-          </p:cNvSpPr>
-          <p:nvPr>
-            <p:ph type="subTitle" idx="1"/>
-          </p:nvPr>
-        </p:nvSpPr>
-        <p:spPr/>
-        <p:txBody>
-          <a:bodyPr/>
-          <a:lstStyle/>
-          <a:p>
-            <a:endParaRPr lang="ru-RU"/>
-          </a:p>
-        </p:txBody>
-      </p:sp>
-      <p:sp>
-        <p:nvSpPr>
-          <p:cNvPr id="4" name="Номер слайда 3"/>
-          <p:cNvSpPr>
-            <a:spLocks noGrp="1"/>
-          </p:cNvSpPr>
-          <p:nvPr>
-            <p:ph type="sldNum" idx="12"/>
-          </p:nvPr>
-        </p:nvSpPr>
-        <p:spPr/>
-        <p:txBody>
-          <a:bodyPr/>
-          <a:lstStyle/>
-          <a:p>
-            <a:pPr marL="0" lvl="0" indent="0" algn="r" rtl="0">
-              <a:spcBef>
-                <a:spcPts val="0"/>
-              </a:spcBef>
-              <a:spcAft>
-                <a:spcPts val="0"/>
-              </a:spcAft>
-              <a:buNone/>
-            </a:pPr>
-            <a:fld id="{00000000-1234-1234-1234-123412341234}" type="slidenum">
-              <a:rPr lang="en" smtClean="0"/>
-              <a:pPr marL="0" lvl="0" indent="0" algn="r" rtl="0">
-                <a:spcBef>
-                  <a:spcPts val="0"/>
-                </a:spcBef>
-                <a:spcAft>
-                  <a:spcPts val="0"/>
-                </a:spcAft>
-                <a:buNone/>
-              </a:pPr>
-              <a:t>4</a:t>
-            </a:fld>
-            <a:endParaRPr lang="en"/>
-          </a:p>
-        </p:txBody>
-      </p:sp>
-      <p:pic>
-        <p:nvPicPr>
-          <p:cNvPr id="2050" name="Picture 2"/>
-          <p:cNvPicPr>
-            <a:picLocks noChangeAspect="1" noChangeArrowheads="1"/>
-          </p:cNvPicPr>
-          <p:nvPr/>
-        </p:nvPicPr>
-        <p:blipFill>
-          <a:blip r:embed="rId2"/>
-          <a:srcRect/>
-          <a:stretch>
-            <a:fillRect/>
-          </a:stretch>
-        </p:blipFill>
-        <p:spPr bwMode="auto">
-          <a:xfrm>
-            <a:off x="0" y="271463"/>
-            <a:ext cx="9144000" cy="4600575"/>
           </a:xfrm>
           <a:prstGeom prst="rect">
             <a:avLst/>
@@ -5630,7 +6963,7 @@
 </p:sld>
 </file>
 
-<file path=ppt/slides/slide5.xml><?xml version="1.0" encoding="utf-8"?>
+<file path=ppt/slides/slide4.xml><?xml version="1.0" encoding="utf-8"?>
 <p:sld xmlns:a="http://schemas.openxmlformats.org/drawingml/2006/main" xmlns:r="http://schemas.openxmlformats.org/officeDocument/2006/relationships" xmlns:p="http://schemas.openxmlformats.org/presentationml/2006/main">
   <p:cSld>
     <p:spTree>
@@ -5663,14 +6996,23 @@
           <a:lstStyle/>
           <a:p>
             <a:r>
-              <a:rPr lang="en-US" dirty="0" err="1" smtClean="0"/>
+              <a:rPr lang="en-US" dirty="0" err="1">
+                <a:latin typeface="Microsoft YaHei" panose="020B0503020204020204" pitchFamily="34" charset="-122"/>
+                <a:ea typeface="Microsoft YaHei" panose="020B0503020204020204" pitchFamily="34" charset="-122"/>
+              </a:rPr>
               <a:t>Books.head</a:t>
             </a:r>
             <a:r>
-              <a:rPr lang="en-US" dirty="0" smtClean="0"/>
+              <a:rPr lang="en-US" dirty="0">
+                <a:latin typeface="Microsoft YaHei" panose="020B0503020204020204" pitchFamily="34" charset="-122"/>
+                <a:ea typeface="Microsoft YaHei" panose="020B0503020204020204" pitchFamily="34" charset="-122"/>
+              </a:rPr>
               <a:t>()</a:t>
             </a:r>
-            <a:endParaRPr lang="ru-RU" dirty="0"/>
+            <a:endParaRPr lang="ru-RU" dirty="0">
+              <a:latin typeface="Microsoft YaHei" panose="020B0503020204020204" pitchFamily="34" charset="-122"/>
+              <a:ea typeface="Microsoft YaHei" panose="020B0503020204020204" pitchFamily="34" charset="-122"/>
+            </a:endParaRPr>
           </a:p>
         </p:txBody>
       </p:sp>
@@ -5728,7 +7070,7 @@
                 </a:spcAft>
                 <a:buNone/>
               </a:pPr>
-              <a:t>5</a:t>
+              <a:t>4</a:t>
             </a:fld>
             <a:endParaRPr lang="en"/>
           </a:p>
@@ -5775,7 +7117,7 @@
 </p:sld>
 </file>
 
-<file path=ppt/slides/slide6.xml><?xml version="1.0" encoding="utf-8"?>
+<file path=ppt/slides/slide5.xml><?xml version="1.0" encoding="utf-8"?>
 <p:sld xmlns:a="http://schemas.openxmlformats.org/drawingml/2006/main" xmlns:r="http://schemas.openxmlformats.org/officeDocument/2006/relationships" xmlns:p="http://schemas.openxmlformats.org/presentationml/2006/main">
   <p:cSld>
     <p:spTree>
@@ -5827,7 +7169,7 @@
               <a:buNone/>
             </a:pPr>
             <a:r>
-              <a:rPr lang="en" dirty="0" smtClean="0"/>
+              <a:rPr lang="en" dirty="0"/>
               <a:t>.</a:t>
             </a:r>
             <a:endParaRPr/>
@@ -5879,7 +7221,7 @@
                 </a:spcAft>
                 <a:buNone/>
               </a:pPr>
-              <a:t>6</a:t>
+              <a:t>5</a:t>
             </a:fld>
             <a:endParaRPr/>
           </a:p>
@@ -5916,17 +7258,10 @@
   <p:clrMapOvr>
     <a:masterClrMapping/>
   </p:clrMapOvr>
-  <p:timing>
-    <p:tnLst>
-      <p:par>
-        <p:cTn id="1" dur="indefinite" restart="never" nodeType="tmRoot"/>
-      </p:par>
-    </p:tnLst>
-  </p:timing>
 </p:sld>
 </file>
 
-<file path=ppt/slides/slide7.xml><?xml version="1.0" encoding="utf-8"?>
+<file path=ppt/slides/slide6.xml><?xml version="1.0" encoding="utf-8"?>
 <p:sld xmlns:a="http://schemas.openxmlformats.org/drawingml/2006/main" xmlns:r="http://schemas.openxmlformats.org/officeDocument/2006/relationships" xmlns:p="http://schemas.openxmlformats.org/presentationml/2006/main">
   <p:cSld>
     <p:spTree>
@@ -6016,7 +7351,7 @@
                 </a:spcAft>
                 <a:buNone/>
               </a:pPr>
-              <a:t>7</a:t>
+              <a:t>6</a:t>
             </a:fld>
             <a:endParaRPr lang="en"/>
           </a:p>
@@ -6056,7 +7391,7 @@
 </p:sld>
 </file>
 
-<file path=ppt/slides/slide8.xml><?xml version="1.0" encoding="utf-8"?>
+<file path=ppt/slides/slide7.xml><?xml version="1.0" encoding="utf-8"?>
 <p:sld xmlns:a="http://schemas.openxmlformats.org/drawingml/2006/main" xmlns:r="http://schemas.openxmlformats.org/officeDocument/2006/relationships" xmlns:p="http://schemas.openxmlformats.org/presentationml/2006/main">
   <p:cSld>
     <p:spTree>
@@ -6089,151 +7424,16 @@
           <a:lstStyle/>
           <a:p>
             <a:r>
-              <a:rPr lang="en-US" dirty="0" smtClean="0"/>
-              <a:t>Code example of competitors</a:t>
-            </a:r>
-            <a:endParaRPr lang="ru-RU" dirty="0"/>
-          </a:p>
-        </p:txBody>
-      </p:sp>
-      <p:sp>
-        <p:nvSpPr>
-          <p:cNvPr id="3" name="Текст 2"/>
-          <p:cNvSpPr>
-            <a:spLocks noGrp="1"/>
-          </p:cNvSpPr>
-          <p:nvPr>
-            <p:ph type="body" idx="1"/>
-          </p:nvPr>
-        </p:nvSpPr>
-        <p:spPr/>
-        <p:txBody>
-          <a:bodyPr/>
-          <a:lstStyle/>
-          <a:p>
-            <a:endParaRPr lang="ru-RU"/>
-          </a:p>
-        </p:txBody>
-      </p:sp>
-      <p:sp>
-        <p:nvSpPr>
-          <p:cNvPr id="4" name="Номер слайда 3"/>
-          <p:cNvSpPr>
-            <a:spLocks noGrp="1"/>
-          </p:cNvSpPr>
-          <p:nvPr>
-            <p:ph type="sldNum" idx="12"/>
-          </p:nvPr>
-        </p:nvSpPr>
-        <p:spPr/>
-        <p:txBody>
-          <a:bodyPr/>
-          <a:lstStyle/>
-          <a:p>
-            <a:pPr marL="0" lvl="0" indent="0" algn="r" rtl="0">
-              <a:spcBef>
-                <a:spcPts val="0"/>
-              </a:spcBef>
-              <a:spcAft>
-                <a:spcPts val="0"/>
-              </a:spcAft>
-              <a:buNone/>
-            </a:pPr>
-            <a:fld id="{00000000-1234-1234-1234-123412341234}" type="slidenum">
-              <a:rPr lang="en" smtClean="0"/>
-              <a:pPr marL="0" lvl="0" indent="0" algn="r" rtl="0">
-                <a:spcBef>
-                  <a:spcPts val="0"/>
-                </a:spcBef>
-                <a:spcAft>
-                  <a:spcPts val="0"/>
-                </a:spcAft>
-                <a:buNone/>
-              </a:pPr>
-              <a:t>8</a:t>
-            </a:fld>
-            <a:endParaRPr lang="en"/>
-          </a:p>
-        </p:txBody>
-      </p:sp>
-      <p:pic>
-        <p:nvPicPr>
-          <p:cNvPr id="5123" name="Picture 3"/>
-          <p:cNvPicPr>
-            <a:picLocks noChangeAspect="1" noChangeArrowheads="1"/>
-          </p:cNvPicPr>
-          <p:nvPr/>
-        </p:nvPicPr>
-        <p:blipFill>
-          <a:blip r:embed="rId2"/>
-          <a:srcRect/>
-          <a:stretch>
-            <a:fillRect/>
-          </a:stretch>
-        </p:blipFill>
-        <p:spPr bwMode="auto">
-          <a:xfrm>
-            <a:off x="1556175" y="1419275"/>
-            <a:ext cx="5734990" cy="3121738"/>
-          </a:xfrm>
-          <a:prstGeom prst="rect">
-            <a:avLst/>
-          </a:prstGeom>
-          <a:noFill/>
-          <a:ln w="9525">
-            <a:noFill/>
-            <a:miter lim="800000"/>
-            <a:headEnd/>
-            <a:tailEnd/>
-          </a:ln>
-          <a:effectLst/>
-        </p:spPr>
-      </p:pic>
-    </p:spTree>
-  </p:cSld>
-  <p:clrMapOvr>
-    <a:masterClrMapping/>
-  </p:clrMapOvr>
-</p:sld>
-</file>
-
-<file path=ppt/slides/slide9.xml><?xml version="1.0" encoding="utf-8"?>
-<p:sld xmlns:a="http://schemas.openxmlformats.org/drawingml/2006/main" xmlns:r="http://schemas.openxmlformats.org/officeDocument/2006/relationships" xmlns:p="http://schemas.openxmlformats.org/presentationml/2006/main">
-  <p:cSld>
-    <p:spTree>
-      <p:nvGrpSpPr>
-        <p:cNvPr id="1" name=""/>
-        <p:cNvGrpSpPr/>
-        <p:nvPr/>
-      </p:nvGrpSpPr>
-      <p:grpSpPr>
-        <a:xfrm>
-          <a:off x="0" y="0"/>
-          <a:ext cx="0" cy="0"/>
-          <a:chOff x="0" y="0"/>
-          <a:chExt cx="0" cy="0"/>
-        </a:xfrm>
-      </p:grpSpPr>
-      <p:sp>
-        <p:nvSpPr>
-          <p:cNvPr id="2" name="Заголовок 1"/>
-          <p:cNvSpPr>
-            <a:spLocks noGrp="1"/>
-          </p:cNvSpPr>
-          <p:nvPr>
-            <p:ph type="title"/>
-          </p:nvPr>
-        </p:nvSpPr>
-        <p:spPr/>
-        <p:txBody>
-          <a:bodyPr/>
-          <a:lstStyle/>
-          <a:p>
-            <a:r>
-              <a:rPr lang="en-US" dirty="0" smtClean="0"/>
+              <a:rPr lang="en-US" dirty="0">
+                <a:latin typeface="Microsoft YaHei" panose="020B0503020204020204" pitchFamily="34" charset="-122"/>
+                <a:ea typeface="Microsoft YaHei" panose="020B0503020204020204" pitchFamily="34" charset="-122"/>
+              </a:rPr>
               <a:t>Accuracy of book recommender system </a:t>
             </a:r>
-            <a:endParaRPr lang="ru-RU" dirty="0"/>
+            <a:endParaRPr lang="ru-RU" dirty="0">
+              <a:latin typeface="Microsoft YaHei" panose="020B0503020204020204" pitchFamily="34" charset="-122"/>
+              <a:ea typeface="Microsoft YaHei" panose="020B0503020204020204" pitchFamily="34" charset="-122"/>
+            </a:endParaRPr>
           </a:p>
         </p:txBody>
       </p:sp>
@@ -6276,26 +7476,32 @@
           <a:bodyPr/>
           <a:lstStyle/>
           <a:p>
-            <a:endParaRPr lang="en-US" dirty="0" smtClean="0"/>
-          </a:p>
-          <a:p>
             <a:endParaRPr lang="en-US" dirty="0"/>
           </a:p>
           <a:p>
-            <a:endParaRPr lang="en-US" dirty="0" smtClean="0"/>
-          </a:p>
-          <a:p>
             <a:endParaRPr lang="en-US" dirty="0"/>
           </a:p>
           <a:p>
-            <a:endParaRPr lang="en-US" dirty="0" smtClean="0"/>
+            <a:endParaRPr lang="en-US" dirty="0"/>
+          </a:p>
+          <a:p>
+            <a:endParaRPr lang="en-US" dirty="0"/>
+          </a:p>
+          <a:p>
+            <a:endParaRPr lang="en-US" dirty="0"/>
           </a:p>
           <a:p>
             <a:r>
-              <a:rPr lang="en-US" dirty="0" smtClean="0"/>
+              <a:rPr lang="en-US" sz="2000" dirty="0">
+                <a:latin typeface="Microsoft YaHei" panose="020B0503020204020204" pitchFamily="34" charset="-122"/>
+                <a:ea typeface="Microsoft YaHei" panose="020B0503020204020204" pitchFamily="34" charset="-122"/>
+              </a:rPr>
               <a:t>...and we hope to have the same result</a:t>
             </a:r>
-            <a:endParaRPr lang="ru-RU" dirty="0"/>
+            <a:endParaRPr lang="ru-RU" sz="2000" dirty="0">
+              <a:latin typeface="Microsoft YaHei" panose="020B0503020204020204" pitchFamily="34" charset="-122"/>
+              <a:ea typeface="Microsoft YaHei" panose="020B0503020204020204" pitchFamily="34" charset="-122"/>
+            </a:endParaRPr>
           </a:p>
         </p:txBody>
       </p:sp>
@@ -6334,7 +7540,7 @@
                 </a:spcAft>
                 <a:buNone/>
               </a:pPr>
-              <a:t>9</a:t>
+              <a:t>7</a:t>
             </a:fld>
             <a:endParaRPr lang="en"/>
           </a:p>
@@ -6344,6 +7550,326 @@
     <p:extLst>
       <p:ext uri="{BB962C8B-B14F-4D97-AF65-F5344CB8AC3E}">
         <p14:creationId xmlns:p14="http://schemas.microsoft.com/office/powerpoint/2010/main" val="3082240293"/>
+      </p:ext>
+    </p:extLst>
+  </p:cSld>
+  <p:clrMapOvr>
+    <a:masterClrMapping/>
+  </p:clrMapOvr>
+</p:sld>
+</file>
+
+<file path=ppt/slides/slide8.xml><?xml version="1.0" encoding="utf-8"?>
+<p:sld xmlns:a="http://schemas.openxmlformats.org/drawingml/2006/main" xmlns:r="http://schemas.openxmlformats.org/officeDocument/2006/relationships" xmlns:p="http://schemas.openxmlformats.org/presentationml/2006/main">
+  <p:cSld>
+    <p:spTree>
+      <p:nvGrpSpPr>
+        <p:cNvPr id="1" name=""/>
+        <p:cNvGrpSpPr/>
+        <p:nvPr/>
+      </p:nvGrpSpPr>
+      <p:grpSpPr>
+        <a:xfrm>
+          <a:off x="0" y="0"/>
+          <a:ext cx="0" cy="0"/>
+          <a:chOff x="0" y="0"/>
+          <a:chExt cx="0" cy="0"/>
+        </a:xfrm>
+      </p:grpSpPr>
+      <p:sp>
+        <p:nvSpPr>
+          <p:cNvPr id="2" name="Заголовок 1">
+            <a:extLst>
+              <a:ext uri="{FF2B5EF4-FFF2-40B4-BE49-F238E27FC236}">
+                <a16:creationId xmlns:a16="http://schemas.microsoft.com/office/drawing/2014/main" id="{29107E41-B650-4584-9AC6-2C84A2C1B134}"/>
+              </a:ext>
+            </a:extLst>
+          </p:cNvPr>
+          <p:cNvSpPr>
+            <a:spLocks noGrp="1"/>
+          </p:cNvSpPr>
+          <p:nvPr>
+            <p:ph type="title"/>
+          </p:nvPr>
+        </p:nvSpPr>
+        <p:spPr/>
+        <p:txBody>
+          <a:bodyPr/>
+          <a:lstStyle/>
+          <a:p>
+            <a:r>
+              <a:rPr lang="en-US" dirty="0" err="1">
+                <a:latin typeface="Microsoft YaHei" panose="020B0503020204020204" pitchFamily="34" charset="-122"/>
+                <a:ea typeface="Microsoft YaHei" panose="020B0503020204020204" pitchFamily="34" charset="-122"/>
+              </a:rPr>
+              <a:t>Implemetation</a:t>
+            </a:r>
+            <a:endParaRPr lang="ru-RU" dirty="0">
+              <a:latin typeface="Microsoft YaHei" panose="020B0503020204020204" pitchFamily="34" charset="-122"/>
+              <a:ea typeface="Microsoft YaHei" panose="020B0503020204020204" pitchFamily="34" charset="-122"/>
+            </a:endParaRPr>
+          </a:p>
+        </p:txBody>
+      </p:sp>
+      <p:sp>
+        <p:nvSpPr>
+          <p:cNvPr id="3" name="Текст 2">
+            <a:extLst>
+              <a:ext uri="{FF2B5EF4-FFF2-40B4-BE49-F238E27FC236}">
+                <a16:creationId xmlns:a16="http://schemas.microsoft.com/office/drawing/2014/main" id="{94849A53-AB63-4E6A-B4C2-1F975F5C55AE}"/>
+              </a:ext>
+            </a:extLst>
+          </p:cNvPr>
+          <p:cNvSpPr>
+            <a:spLocks noGrp="1"/>
+          </p:cNvSpPr>
+          <p:nvPr>
+            <p:ph type="body" idx="1"/>
+          </p:nvPr>
+        </p:nvSpPr>
+        <p:spPr/>
+        <p:txBody>
+          <a:bodyPr/>
+          <a:lstStyle/>
+          <a:p>
+            <a:r>
+              <a:rPr lang="en-US" dirty="0">
+                <a:latin typeface="Microsoft YaHei" panose="020B0503020204020204" pitchFamily="34" charset="-122"/>
+                <a:ea typeface="Microsoft YaHei" panose="020B0503020204020204" pitchFamily="34" charset="-122"/>
+              </a:rPr>
+              <a:t>Collect the dataset with book content</a:t>
+            </a:r>
+          </a:p>
+          <a:p>
+            <a:r>
+              <a:rPr lang="en-US" dirty="0">
+                <a:latin typeface="Microsoft YaHei" panose="020B0503020204020204" pitchFamily="34" charset="-122"/>
+                <a:ea typeface="Microsoft YaHei" panose="020B0503020204020204" pitchFamily="34" charset="-122"/>
+              </a:rPr>
+              <a:t>Find most correlated samples</a:t>
+            </a:r>
+          </a:p>
+          <a:p>
+            <a:r>
+              <a:rPr lang="en-US" dirty="0">
+                <a:latin typeface="Microsoft YaHei" panose="020B0503020204020204" pitchFamily="34" charset="-122"/>
+                <a:ea typeface="Microsoft YaHei" panose="020B0503020204020204" pitchFamily="34" charset="-122"/>
+              </a:rPr>
+              <a:t>LDA and wordnet for top correlated books</a:t>
+            </a:r>
+          </a:p>
+          <a:p>
+            <a:r>
+              <a:rPr lang="en-US" dirty="0">
+                <a:latin typeface="Microsoft YaHei" panose="020B0503020204020204" pitchFamily="34" charset="-122"/>
+                <a:ea typeface="Microsoft YaHei" panose="020B0503020204020204" pitchFamily="34" charset="-122"/>
+              </a:rPr>
+              <a:t>Wrap up algorithms in the bot  </a:t>
+            </a:r>
+            <a:endParaRPr lang="ru-RU" dirty="0">
+              <a:latin typeface="Microsoft YaHei" panose="020B0503020204020204" pitchFamily="34" charset="-122"/>
+              <a:ea typeface="Microsoft YaHei" panose="020B0503020204020204" pitchFamily="34" charset="-122"/>
+            </a:endParaRPr>
+          </a:p>
+        </p:txBody>
+      </p:sp>
+      <p:sp>
+        <p:nvSpPr>
+          <p:cNvPr id="4" name="Номер слайда 3">
+            <a:extLst>
+              <a:ext uri="{FF2B5EF4-FFF2-40B4-BE49-F238E27FC236}">
+                <a16:creationId xmlns:a16="http://schemas.microsoft.com/office/drawing/2014/main" id="{27E8D3CD-A86C-4339-944B-6830F051FF8E}"/>
+              </a:ext>
+            </a:extLst>
+          </p:cNvPr>
+          <p:cNvSpPr>
+            <a:spLocks noGrp="1"/>
+          </p:cNvSpPr>
+          <p:nvPr>
+            <p:ph type="sldNum" idx="12"/>
+          </p:nvPr>
+        </p:nvSpPr>
+        <p:spPr/>
+        <p:txBody>
+          <a:bodyPr/>
+          <a:lstStyle/>
+          <a:p>
+            <a:pPr marL="0" lvl="0" indent="0" algn="r" rtl="0">
+              <a:spcBef>
+                <a:spcPts val="0"/>
+              </a:spcBef>
+              <a:spcAft>
+                <a:spcPts val="0"/>
+              </a:spcAft>
+              <a:buNone/>
+            </a:pPr>
+            <a:fld id="{00000000-1234-1234-1234-123412341234}" type="slidenum">
+              <a:rPr lang="en" smtClean="0"/>
+              <a:pPr marL="0" lvl="0" indent="0" algn="r" rtl="0">
+                <a:spcBef>
+                  <a:spcPts val="0"/>
+                </a:spcBef>
+                <a:spcAft>
+                  <a:spcPts val="0"/>
+                </a:spcAft>
+                <a:buNone/>
+              </a:pPr>
+              <a:t>8</a:t>
+            </a:fld>
+            <a:endParaRPr lang="en"/>
+          </a:p>
+        </p:txBody>
+      </p:sp>
+    </p:spTree>
+    <p:extLst>
+      <p:ext uri="{BB962C8B-B14F-4D97-AF65-F5344CB8AC3E}">
+        <p14:creationId xmlns:p14="http://schemas.microsoft.com/office/powerpoint/2010/main" val="2615019196"/>
+      </p:ext>
+    </p:extLst>
+  </p:cSld>
+  <p:clrMapOvr>
+    <a:masterClrMapping/>
+  </p:clrMapOvr>
+</p:sld>
+</file>
+
+<file path=ppt/slides/slide9.xml><?xml version="1.0" encoding="utf-8"?>
+<p:sld xmlns:a="http://schemas.openxmlformats.org/drawingml/2006/main" xmlns:r="http://schemas.openxmlformats.org/officeDocument/2006/relationships" xmlns:p="http://schemas.openxmlformats.org/presentationml/2006/main">
+  <p:cSld>
+    <p:spTree>
+      <p:nvGrpSpPr>
+        <p:cNvPr id="1" name=""/>
+        <p:cNvGrpSpPr/>
+        <p:nvPr/>
+      </p:nvGrpSpPr>
+      <p:grpSpPr>
+        <a:xfrm>
+          <a:off x="0" y="0"/>
+          <a:ext cx="0" cy="0"/>
+          <a:chOff x="0" y="0"/>
+          <a:chExt cx="0" cy="0"/>
+        </a:xfrm>
+      </p:grpSpPr>
+      <p:sp>
+        <p:nvSpPr>
+          <p:cNvPr id="2" name="Заголовок 1">
+            <a:extLst>
+              <a:ext uri="{FF2B5EF4-FFF2-40B4-BE49-F238E27FC236}">
+                <a16:creationId xmlns:a16="http://schemas.microsoft.com/office/drawing/2014/main" id="{7B47AC6F-F65F-48F5-B82C-2179DCC6DE5B}"/>
+              </a:ext>
+            </a:extLst>
+          </p:cNvPr>
+          <p:cNvSpPr>
+            <a:spLocks noGrp="1"/>
+          </p:cNvSpPr>
+          <p:nvPr>
+            <p:ph type="title"/>
+          </p:nvPr>
+        </p:nvSpPr>
+        <p:spPr/>
+        <p:txBody>
+          <a:bodyPr/>
+          <a:lstStyle/>
+          <a:p>
+            <a:r>
+              <a:rPr lang="en-US" dirty="0"/>
+              <a:t>C</a:t>
+            </a:r>
+            <a:r>
+              <a:rPr lang="en-US" dirty="0">
+                <a:latin typeface="Microsoft YaHei" panose="020B0503020204020204" pitchFamily="34" charset="-122"/>
+                <a:ea typeface="Microsoft YaHei" panose="020B0503020204020204" pitchFamily="34" charset="-122"/>
+              </a:rPr>
+              <a:t>ollect the dataset with book content</a:t>
+            </a:r>
+            <a:endParaRPr lang="ru-RU" dirty="0">
+              <a:latin typeface="Microsoft YaHei" panose="020B0503020204020204" pitchFamily="34" charset="-122"/>
+              <a:ea typeface="Microsoft YaHei" panose="020B0503020204020204" pitchFamily="34" charset="-122"/>
+            </a:endParaRPr>
+          </a:p>
+        </p:txBody>
+      </p:sp>
+      <p:pic>
+        <p:nvPicPr>
+          <p:cNvPr id="5" name="Рисунок 4">
+            <a:extLst>
+              <a:ext uri="{FF2B5EF4-FFF2-40B4-BE49-F238E27FC236}">
+                <a16:creationId xmlns:a16="http://schemas.microsoft.com/office/drawing/2014/main" id="{9DD655B9-D8E3-4A63-8432-577DFDE0FD5C}"/>
+              </a:ext>
+            </a:extLst>
+          </p:cNvPr>
+          <p:cNvPicPr>
+            <a:picLocks noChangeAspect="1"/>
+          </p:cNvPicPr>
+          <p:nvPr/>
+        </p:nvPicPr>
+        <p:blipFill>
+          <a:blip r:embed="rId2"/>
+          <a:stretch>
+            <a:fillRect/>
+          </a:stretch>
+        </p:blipFill>
+        <p:spPr>
+          <a:xfrm>
+            <a:off x="214282" y="1500180"/>
+            <a:ext cx="8287174" cy="3067331"/>
+          </a:xfrm>
+          <a:prstGeom prst="rect">
+            <a:avLst/>
+          </a:prstGeom>
+        </p:spPr>
+      </p:pic>
+      <p:sp>
+        <p:nvSpPr>
+          <p:cNvPr id="4" name="Номер слайда 3">
+            <a:extLst>
+              <a:ext uri="{FF2B5EF4-FFF2-40B4-BE49-F238E27FC236}">
+                <a16:creationId xmlns:a16="http://schemas.microsoft.com/office/drawing/2014/main" id="{F9E4877A-E0DC-4F49-A9E2-F2E0F29234BE}"/>
+              </a:ext>
+            </a:extLst>
+          </p:cNvPr>
+          <p:cNvSpPr>
+            <a:spLocks noGrp="1"/>
+          </p:cNvSpPr>
+          <p:nvPr>
+            <p:ph type="sldNum" idx="12"/>
+          </p:nvPr>
+        </p:nvSpPr>
+        <p:spPr/>
+        <p:txBody>
+          <a:bodyPr/>
+          <a:lstStyle/>
+          <a:p>
+            <a:pPr marL="0" lvl="0" indent="0" algn="r" rtl="0">
+              <a:spcBef>
+                <a:spcPts val="0"/>
+              </a:spcBef>
+              <a:spcAft>
+                <a:spcPts val="0"/>
+              </a:spcAft>
+              <a:buNone/>
+            </a:pPr>
+            <a:fld id="{00000000-1234-1234-1234-123412341234}" type="slidenum">
+              <a:rPr lang="en" smtClean="0"/>
+              <a:pPr marL="0" lvl="0" indent="0" algn="r" rtl="0">
+                <a:spcBef>
+                  <a:spcPts val="0"/>
+                </a:spcBef>
+                <a:spcAft>
+                  <a:spcPts val="0"/>
+                </a:spcAft>
+                <a:buNone/>
+              </a:pPr>
+              <a:t>9</a:t>
+            </a:fld>
+            <a:endParaRPr lang="en"/>
+          </a:p>
+        </p:txBody>
+      </p:sp>
+    </p:spTree>
+    <p:extLst>
+      <p:ext uri="{BB962C8B-B14F-4D97-AF65-F5344CB8AC3E}">
+        <p14:creationId xmlns:p14="http://schemas.microsoft.com/office/powerpoint/2010/main" val="2194643712"/>
       </p:ext>
     </p:extLst>
   </p:cSld>
